--- a/Project1_Presentation.pptx
+++ b/Project1_Presentation.pptx
@@ -5,29 +5,30 @@
     <p:sldMasterId id="2147483648" r:id="rId1"/>
   </p:sldMasterIdLst>
   <p:notesMasterIdLst>
-    <p:notesMasterId r:id="rId22"/>
+    <p:notesMasterId r:id="rId23"/>
   </p:notesMasterIdLst>
   <p:sldIdLst>
     <p:sldId id="256" r:id="rId2"/>
     <p:sldId id="257" r:id="rId3"/>
-    <p:sldId id="272" r:id="rId4"/>
-    <p:sldId id="258" r:id="rId5"/>
-    <p:sldId id="263" r:id="rId6"/>
-    <p:sldId id="262" r:id="rId7"/>
-    <p:sldId id="259" r:id="rId8"/>
-    <p:sldId id="264" r:id="rId9"/>
-    <p:sldId id="265" r:id="rId10"/>
-    <p:sldId id="266" r:id="rId11"/>
-    <p:sldId id="267" r:id="rId12"/>
-    <p:sldId id="268" r:id="rId13"/>
-    <p:sldId id="269" r:id="rId14"/>
-    <p:sldId id="260" r:id="rId15"/>
-    <p:sldId id="274" r:id="rId16"/>
-    <p:sldId id="275" r:id="rId17"/>
-    <p:sldId id="261" r:id="rId18"/>
-    <p:sldId id="271" r:id="rId19"/>
-    <p:sldId id="270" r:id="rId20"/>
-    <p:sldId id="273" r:id="rId21"/>
+    <p:sldId id="277" r:id="rId4"/>
+    <p:sldId id="272" r:id="rId5"/>
+    <p:sldId id="258" r:id="rId6"/>
+    <p:sldId id="263" r:id="rId7"/>
+    <p:sldId id="262" r:id="rId8"/>
+    <p:sldId id="259" r:id="rId9"/>
+    <p:sldId id="264" r:id="rId10"/>
+    <p:sldId id="265" r:id="rId11"/>
+    <p:sldId id="266" r:id="rId12"/>
+    <p:sldId id="267" r:id="rId13"/>
+    <p:sldId id="268" r:id="rId14"/>
+    <p:sldId id="269" r:id="rId15"/>
+    <p:sldId id="260" r:id="rId16"/>
+    <p:sldId id="274" r:id="rId17"/>
+    <p:sldId id="275" r:id="rId18"/>
+    <p:sldId id="261" r:id="rId19"/>
+    <p:sldId id="271" r:id="rId20"/>
+    <p:sldId id="270" r:id="rId21"/>
+    <p:sldId id="278" r:id="rId22"/>
   </p:sldIdLst>
   <p:sldSz cx="12192000" cy="6858000"/>
   <p:notesSz cx="6858000" cy="9144000"/>
@@ -126,6 +127,11 @@
       </a:defRPr>
     </a:lvl9pPr>
   </p:defaultTextStyle>
+  <p:extLst>
+    <p:ext uri="{EFAFB233-063F-42B5-8137-9DF3F51BA10A}">
+      <p15:sldGuideLst xmlns:p15="http://schemas.microsoft.com/office/powerpoint/2012/main"/>
+    </p:ext>
+  </p:extLst>
 </p:presentation>
 </file>
 
@@ -211,7 +217,7 @@
           <a:p>
             <a:fld id="{78E0DB4E-D578-6F45-BE8A-A16438C06342}" type="datetimeFigureOut">
               <a:rPr lang="en-US" smtClean="0"/>
-              <a:t>12/2/23</a:t>
+              <a:t>12/3/2023</a:t>
             </a:fld>
             <a:endParaRPr lang="en-US"/>
           </a:p>
@@ -544,7 +550,7 @@
           <a:p>
             <a:fld id="{415C5F8E-3663-3542-A949-25BD32EB15A2}" type="slidenum">
               <a:rPr lang="en-US" smtClean="0"/>
-              <a:t>10</a:t>
+              <a:t>11</a:t>
             </a:fld>
             <a:endParaRPr lang="en-US"/>
           </a:p>
@@ -712,7 +718,7 @@
           <a:p>
             <a:fld id="{57DFC896-C3DB-FD43-9CC1-E18AF3AA2E26}" type="datetimeFigureOut">
               <a:rPr lang="en-US" smtClean="0"/>
-              <a:t>12/2/23</a:t>
+              <a:t>12/3/2023</a:t>
             </a:fld>
             <a:endParaRPr lang="en-US"/>
           </a:p>
@@ -912,7 +918,7 @@
           <a:p>
             <a:fld id="{57DFC896-C3DB-FD43-9CC1-E18AF3AA2E26}" type="datetimeFigureOut">
               <a:rPr lang="en-US" smtClean="0"/>
-              <a:t>12/2/23</a:t>
+              <a:t>12/3/2023</a:t>
             </a:fld>
             <a:endParaRPr lang="en-US"/>
           </a:p>
@@ -1122,7 +1128,7 @@
           <a:p>
             <a:fld id="{57DFC896-C3DB-FD43-9CC1-E18AF3AA2E26}" type="datetimeFigureOut">
               <a:rPr lang="en-US" smtClean="0"/>
-              <a:t>12/2/23</a:t>
+              <a:t>12/3/2023</a:t>
             </a:fld>
             <a:endParaRPr lang="en-US"/>
           </a:p>
@@ -1322,7 +1328,7 @@
           <a:p>
             <a:fld id="{57DFC896-C3DB-FD43-9CC1-E18AF3AA2E26}" type="datetimeFigureOut">
               <a:rPr lang="en-US" smtClean="0"/>
-              <a:t>12/2/23</a:t>
+              <a:t>12/3/2023</a:t>
             </a:fld>
             <a:endParaRPr lang="en-US"/>
           </a:p>
@@ -1598,7 +1604,7 @@
           <a:p>
             <a:fld id="{57DFC896-C3DB-FD43-9CC1-E18AF3AA2E26}" type="datetimeFigureOut">
               <a:rPr lang="en-US" smtClean="0"/>
-              <a:t>12/2/23</a:t>
+              <a:t>12/3/2023</a:t>
             </a:fld>
             <a:endParaRPr lang="en-US"/>
           </a:p>
@@ -1866,7 +1872,7 @@
           <a:p>
             <a:fld id="{57DFC896-C3DB-FD43-9CC1-E18AF3AA2E26}" type="datetimeFigureOut">
               <a:rPr lang="en-US" smtClean="0"/>
-              <a:t>12/2/23</a:t>
+              <a:t>12/3/2023</a:t>
             </a:fld>
             <a:endParaRPr lang="en-US"/>
           </a:p>
@@ -2281,7 +2287,7 @@
           <a:p>
             <a:fld id="{57DFC896-C3DB-FD43-9CC1-E18AF3AA2E26}" type="datetimeFigureOut">
               <a:rPr lang="en-US" smtClean="0"/>
-              <a:t>12/2/23</a:t>
+              <a:t>12/3/2023</a:t>
             </a:fld>
             <a:endParaRPr lang="en-US"/>
           </a:p>
@@ -2423,7 +2429,7 @@
           <a:p>
             <a:fld id="{57DFC896-C3DB-FD43-9CC1-E18AF3AA2E26}" type="datetimeFigureOut">
               <a:rPr lang="en-US" smtClean="0"/>
-              <a:t>12/2/23</a:t>
+              <a:t>12/3/2023</a:t>
             </a:fld>
             <a:endParaRPr lang="en-US"/>
           </a:p>
@@ -2536,7 +2542,7 @@
           <a:p>
             <a:fld id="{57DFC896-C3DB-FD43-9CC1-E18AF3AA2E26}" type="datetimeFigureOut">
               <a:rPr lang="en-US" smtClean="0"/>
-              <a:t>12/2/23</a:t>
+              <a:t>12/3/2023</a:t>
             </a:fld>
             <a:endParaRPr lang="en-US"/>
           </a:p>
@@ -2849,7 +2855,7 @@
           <a:p>
             <a:fld id="{57DFC896-C3DB-FD43-9CC1-E18AF3AA2E26}" type="datetimeFigureOut">
               <a:rPr lang="en-US" smtClean="0"/>
-              <a:t>12/2/23</a:t>
+              <a:t>12/3/2023</a:t>
             </a:fld>
             <a:endParaRPr lang="en-US"/>
           </a:p>
@@ -3138,7 +3144,7 @@
           <a:p>
             <a:fld id="{57DFC896-C3DB-FD43-9CC1-E18AF3AA2E26}" type="datetimeFigureOut">
               <a:rPr lang="en-US" smtClean="0"/>
-              <a:t>12/2/23</a:t>
+              <a:t>12/3/2023</a:t>
             </a:fld>
             <a:endParaRPr lang="en-US"/>
           </a:p>
@@ -3381,7 +3387,7 @@
           <a:p>
             <a:fld id="{57DFC896-C3DB-FD43-9CC1-E18AF3AA2E26}" type="datetimeFigureOut">
               <a:rPr lang="en-US" smtClean="0"/>
-              <a:t>12/2/23</a:t>
+              <a:t>12/3/2023</a:t>
             </a:fld>
             <a:endParaRPr lang="en-US"/>
           </a:p>
@@ -4010,8 +4016,8 @@
         </p:nvSpPr>
         <p:spPr>
           <a:xfrm>
-            <a:off x="-130186" y="1919437"/>
-            <a:ext cx="5965953" cy="1480034"/>
+            <a:off x="-936625" y="3271684"/>
+            <a:ext cx="8920225" cy="1480034"/>
           </a:xfrm>
           <a:prstGeom prst="ellipse">
             <a:avLst/>
@@ -4019,13 +4025,13 @@
         </p:spPr>
         <p:txBody>
           <a:bodyPr vert="horz" lIns="91440" tIns="45720" rIns="91440" bIns="45720" rtlCol="0" anchor="b">
-            <a:normAutofit fontScale="90000"/>
+            <a:noAutofit/>
           </a:bodyPr>
           <a:lstStyle/>
           <a:p>
             <a:pPr algn="l"/>
             <a:r>
-              <a:rPr lang="en-US" sz="2400" b="1" kern="1200" dirty="0">
+              <a:rPr lang="en-US" sz="4000" b="1" kern="1200" dirty="0">
                 <a:solidFill>
                   <a:schemeClr val="bg1"/>
                 </a:solidFill>
@@ -4034,10 +4040,10 @@
                 <a:ea typeface="+mj-ea"/>
                 <a:cs typeface="+mj-cs"/>
               </a:rPr>
-              <a:t>Title:  Movie Success Insights:</a:t>
+              <a:t>Movie Success Insights:</a:t>
             </a:r>
             <a:br>
-              <a:rPr lang="en-US" sz="2400" b="1" kern="1200" dirty="0">
+              <a:rPr lang="en-US" sz="4000" b="1" kern="1200" dirty="0">
                 <a:solidFill>
                   <a:schemeClr val="bg1"/>
                 </a:solidFill>
@@ -4048,7 +4054,7 @@
               </a:rPr>
             </a:br>
             <a:r>
-              <a:rPr lang="en-US" sz="2400" b="1" kern="1200" dirty="0">
+              <a:rPr lang="en-US" sz="4000" b="1" kern="1200" dirty="0">
                 <a:solidFill>
                   <a:schemeClr val="bg1"/>
                 </a:solidFill>
@@ -4059,7 +4065,7 @@
               </a:rPr>
               <a:t>Statistics, Popularity and Timing Considerations</a:t>
             </a:r>
-            <a:endParaRPr lang="en-US" sz="2400" kern="1200" dirty="0">
+            <a:endParaRPr lang="en-US" sz="4000" kern="1200" dirty="0">
               <a:solidFill>
                 <a:schemeClr val="bg1"/>
               </a:solidFill>
@@ -4271,10 +4277,10 @@
       </p:grpSpPr>
       <p:sp>
         <p:nvSpPr>
-          <p:cNvPr id="14" name="Rectangle 13">
-            <a:extLst>
-              <a:ext uri="{FF2B5EF4-FFF2-40B4-BE49-F238E27FC236}">
-                <a16:creationId xmlns:a16="http://schemas.microsoft.com/office/drawing/2014/main" id="{9527FCEA-6143-4C5E-8C45-8AC9237ADE89}"/>
+          <p:cNvPr id="37" name="Rectangle 36">
+            <a:extLst>
+              <a:ext uri="{FF2B5EF4-FFF2-40B4-BE49-F238E27FC236}">
+                <a16:creationId xmlns:a16="http://schemas.microsoft.com/office/drawing/2014/main" id="{A9F529C3-C941-49FD-8C67-82F134F64BDB}"/>
               </a:ext>
               <a:ext uri="{C183D7F6-B498-43B3-948B-1728B52AA6E4}">
                 <adec:decorative xmlns:adec="http://schemas.microsoft.com/office/drawing/2017/decorative" val="1"/>
@@ -4338,10 +4344,10 @@
       </p:sp>
       <p:sp>
         <p:nvSpPr>
-          <p:cNvPr id="58" name="Rectangle 57">
-            <a:extLst>
-              <a:ext uri="{FF2B5EF4-FFF2-40B4-BE49-F238E27FC236}">
-                <a16:creationId xmlns:a16="http://schemas.microsoft.com/office/drawing/2014/main" id="{1A9F23AD-7A55-49F3-A3EC-743F47F36B0E}"/>
+          <p:cNvPr id="39" name="Rectangle 38">
+            <a:extLst>
+              <a:ext uri="{FF2B5EF4-FFF2-40B4-BE49-F238E27FC236}">
+                <a16:creationId xmlns:a16="http://schemas.microsoft.com/office/drawing/2014/main" id="{20586029-32A0-47E5-9AEC-AE3ABA6B94D0}"/>
               </a:ext>
               <a:ext uri="{C183D7F6-B498-43B3-948B-1728B52AA6E4}">
                 <adec:decorative xmlns:adec="http://schemas.microsoft.com/office/drawing/2017/decorative" val="1"/>
@@ -4361,8 +4367,8 @@
         </p:nvSpPr>
         <p:spPr>
           <a:xfrm>
-            <a:off x="477012" y="487090"/>
-            <a:ext cx="6741849" cy="5897880"/>
+            <a:off x="477012" y="480060"/>
+            <a:ext cx="11237976" cy="5897880"/>
           </a:xfrm>
           <a:prstGeom prst="rect">
             <a:avLst/>
@@ -4370,15 +4376,16 @@
           <a:solidFill>
             <a:srgbClr val="FFFFFF"/>
           </a:solidFill>
-          <a:ln w="19050">
-            <a:solidFill>
-              <a:schemeClr val="tx1">
-                <a:lumMod val="50000"/>
-                <a:lumOff val="50000"/>
-                <a:alpha val="80000"/>
-              </a:schemeClr>
-            </a:solidFill>
+          <a:ln w="9525">
+            <a:noFill/>
           </a:ln>
+          <a:effectLst>
+            <a:outerShdw blurRad="63500" dist="17780" dir="5400000" algn="t" rotWithShape="0">
+              <a:prstClr val="black">
+                <a:alpha val="43000"/>
+              </a:prstClr>
+            </a:outerShdw>
+          </a:effectLst>
         </p:spPr>
         <p:style>
           <a:lnRef idx="2">
@@ -4405,21 +4412,51 @@
           </a:p>
         </p:txBody>
       </p:sp>
-      <p:sp>
-        <p:nvSpPr>
-          <p:cNvPr id="18" name="Rectangle 17">
-            <a:extLst>
-              <a:ext uri="{FF2B5EF4-FFF2-40B4-BE49-F238E27FC236}">
-                <a16:creationId xmlns:a16="http://schemas.microsoft.com/office/drawing/2014/main" id="{D7D9F91F-72C9-4DB9-ABD0-A8180D8262D5}"/>
+      <p:pic>
+        <p:nvPicPr>
+          <p:cNvPr id="5" name="Content Placeholder 4" descr="A graph of blue rectangular objects&#10;&#10;Description automatically generated">
+            <a:extLst>
+              <a:ext uri="{FF2B5EF4-FFF2-40B4-BE49-F238E27FC236}">
+                <a16:creationId xmlns:a16="http://schemas.microsoft.com/office/drawing/2014/main" id="{75725FDD-9061-6108-336D-EB2E5F1E9B39}"/>
+              </a:ext>
+            </a:extLst>
+          </p:cNvPr>
+          <p:cNvPicPr>
+            <a:picLocks noChangeAspect="1"/>
+          </p:cNvPicPr>
+          <p:nvPr/>
+        </p:nvPicPr>
+        <p:blipFill>
+          <a:blip r:embed="rId2"/>
+          <a:stretch>
+            <a:fillRect/>
+          </a:stretch>
+        </p:blipFill>
+        <p:spPr>
+          <a:xfrm>
+            <a:off x="643467" y="2118556"/>
+            <a:ext cx="5294716" cy="2620885"/>
+          </a:xfrm>
+          <a:prstGeom prst="rect">
+            <a:avLst/>
+          </a:prstGeom>
+        </p:spPr>
+      </p:pic>
+      <p:cxnSp>
+        <p:nvCxnSpPr>
+          <p:cNvPr id="41" name="Straight Connector 40">
+            <a:extLst>
+              <a:ext uri="{FF2B5EF4-FFF2-40B4-BE49-F238E27FC236}">
+                <a16:creationId xmlns:a16="http://schemas.microsoft.com/office/drawing/2014/main" id="{8C730EAB-A532-4295-A302-FB4B90DB9F5E}"/>
               </a:ext>
               <a:ext uri="{C183D7F6-B498-43B3-948B-1728B52AA6E4}">
                 <adec:decorative xmlns:adec="http://schemas.microsoft.com/office/drawing/2017/decorative" val="1"/>
               </a:ext>
             </a:extLst>
           </p:cNvPr>
-          <p:cNvSpPr>
-            <a:spLocks noGrp="1" noRot="1" noChangeAspect="1" noMove="1" noResize="1" noEditPoints="1" noAdjustHandles="1" noChangeArrowheads="1" noChangeShapeType="1" noTextEdit="1"/>
-          </p:cNvSpPr>
+          <p:cNvCxnSpPr>
+            <a:cxnSpLocks noGrp="1" noRot="1" noChangeAspect="1" noMove="1" noResize="1" noEditPoints="1" noAdjustHandles="1" noChangeArrowheads="1" noChangeShapeType="1"/>
+          </p:cNvCxnSpPr>
           <p:nvPr>
             <p:extLst>
               <p:ext uri="{386F3935-93C4-4BCD-93E2-E3B085C9AB24}">
@@ -4427,59 +4464,42 @@
               </p:ext>
             </p:extLst>
           </p:nvPr>
-        </p:nvSpPr>
-        <p:spPr>
-          <a:xfrm>
-            <a:off x="7534655" y="480060"/>
-            <a:ext cx="4180332" cy="2788074"/>
-          </a:xfrm>
-          <a:prstGeom prst="rect">
+        </p:nvCxnSpPr>
+        <p:spPr>
+          <a:xfrm>
+            <a:off x="6079958" y="1143000"/>
+            <a:ext cx="0" cy="4572000"/>
+          </a:xfrm>
+          <a:prstGeom prst="line">
             <a:avLst/>
           </a:prstGeom>
-          <a:solidFill>
-            <a:srgbClr val="FFFFFF"/>
-          </a:solidFill>
-          <a:ln w="19050">
+          <a:ln>
             <a:solidFill>
-              <a:schemeClr val="tx1">
-                <a:lumMod val="50000"/>
-                <a:lumOff val="50000"/>
-                <a:alpha val="80000"/>
-              </a:schemeClr>
+              <a:srgbClr val="4E4E4E"/>
             </a:solidFill>
           </a:ln>
         </p:spPr>
         <p:style>
-          <a:lnRef idx="2">
-            <a:schemeClr val="accent1">
-              <a:shade val="50000"/>
-            </a:schemeClr>
+          <a:lnRef idx="1">
+            <a:schemeClr val="accent1"/>
           </a:lnRef>
-          <a:fillRef idx="1">
+          <a:fillRef idx="0">
             <a:schemeClr val="accent1"/>
           </a:fillRef>
           <a:effectRef idx="0">
             <a:schemeClr val="accent1"/>
           </a:effectRef>
           <a:fontRef idx="minor">
-            <a:schemeClr val="lt1"/>
+            <a:schemeClr val="tx1"/>
           </a:fontRef>
         </p:style>
-        <p:txBody>
-          <a:bodyPr rtlCol="0" anchor="ctr"/>
-          <a:lstStyle/>
-          <a:p>
-            <a:pPr algn="ctr"/>
-            <a:endParaRPr lang="en-US"/>
-          </a:p>
-        </p:txBody>
-      </p:sp>
+      </p:cxnSp>
       <p:pic>
         <p:nvPicPr>
-          <p:cNvPr id="7" name="Picture 6" descr="A graph of a line graph&#10;&#10;Description automatically generated with medium confidence">
-            <a:extLst>
-              <a:ext uri="{FF2B5EF4-FFF2-40B4-BE49-F238E27FC236}">
-                <a16:creationId xmlns:a16="http://schemas.microsoft.com/office/drawing/2014/main" id="{B1C19236-56A1-C084-6E84-2B1F3BCA9A8E}"/>
+          <p:cNvPr id="7" name="Picture 6" descr="A graph of a number of people&#10;&#10;Description automatically generated with medium confidence">
+            <a:extLst>
+              <a:ext uri="{FF2B5EF4-FFF2-40B4-BE49-F238E27FC236}">
+                <a16:creationId xmlns:a16="http://schemas.microsoft.com/office/drawing/2014/main" id="{E084C63F-5352-BE8E-5E15-0E4F017191AD}"/>
               </a:ext>
             </a:extLst>
           </p:cNvPr>
@@ -4496,139 +4516,8 @@
         </p:blipFill>
         <p:spPr>
           <a:xfrm>
-            <a:off x="7695873" y="652097"/>
-            <a:ext cx="3854945" cy="2444000"/>
-          </a:xfrm>
-          <a:prstGeom prst="rect">
-            <a:avLst/>
-          </a:prstGeom>
-        </p:spPr>
-      </p:pic>
-      <p:pic>
-        <p:nvPicPr>
-          <p:cNvPr id="5" name="Content Placeholder 4" descr="A graph with blue dots&#10;&#10;Description automatically generated">
-            <a:extLst>
-              <a:ext uri="{FF2B5EF4-FFF2-40B4-BE49-F238E27FC236}">
-                <a16:creationId xmlns:a16="http://schemas.microsoft.com/office/drawing/2014/main" id="{7A2E3A99-61D9-1519-EBB6-225055228F08}"/>
-              </a:ext>
-            </a:extLst>
-          </p:cNvPr>
-          <p:cNvPicPr>
-            <a:picLocks noGrp="1" noChangeAspect="1"/>
-          </p:cNvPicPr>
-          <p:nvPr>
-            <p:ph idx="1"/>
-          </p:nvPr>
-        </p:nvPicPr>
-        <p:blipFill>
-          <a:blip r:embed="rId4"/>
-          <a:stretch>
-            <a:fillRect/>
-          </a:stretch>
-        </p:blipFill>
-        <p:spPr>
-          <a:xfrm>
-            <a:off x="816966" y="1448143"/>
-            <a:ext cx="6238918" cy="3961713"/>
-          </a:xfrm>
-          <a:prstGeom prst="rect">
-            <a:avLst/>
-          </a:prstGeom>
-        </p:spPr>
-      </p:pic>
-      <p:sp>
-        <p:nvSpPr>
-          <p:cNvPr id="20" name="Rectangle 19">
-            <a:extLst>
-              <a:ext uri="{FF2B5EF4-FFF2-40B4-BE49-F238E27FC236}">
-                <a16:creationId xmlns:a16="http://schemas.microsoft.com/office/drawing/2014/main" id="{BE016956-CE9F-4946-8834-A8BC3529D0F6}"/>
-              </a:ext>
-              <a:ext uri="{C183D7F6-B498-43B3-948B-1728B52AA6E4}">
-                <adec:decorative xmlns:adec="http://schemas.microsoft.com/office/drawing/2017/decorative" val="1"/>
-              </a:ext>
-            </a:extLst>
-          </p:cNvPr>
-          <p:cNvSpPr>
-            <a:spLocks noGrp="1" noRot="1" noChangeAspect="1" noMove="1" noResize="1" noEditPoints="1" noAdjustHandles="1" noChangeArrowheads="1" noChangeShapeType="1" noTextEdit="1"/>
-          </p:cNvSpPr>
-          <p:nvPr>
-            <p:extLst>
-              <p:ext uri="{386F3935-93C4-4BCD-93E2-E3B085C9AB24}">
-                <p16:designElem xmlns:p16="http://schemas.microsoft.com/office/powerpoint/2015/main" val="1"/>
-              </p:ext>
-            </p:extLst>
-          </p:nvPr>
-        </p:nvSpPr>
-        <p:spPr>
-          <a:xfrm>
-            <a:off x="7534655" y="3603670"/>
-            <a:ext cx="4180332" cy="2788074"/>
-          </a:xfrm>
-          <a:prstGeom prst="rect">
-            <a:avLst/>
-          </a:prstGeom>
-          <a:solidFill>
-            <a:srgbClr val="FFFFFF"/>
-          </a:solidFill>
-          <a:ln w="19050">
-            <a:solidFill>
-              <a:schemeClr val="tx1">
-                <a:lumMod val="50000"/>
-                <a:lumOff val="50000"/>
-                <a:alpha val="80000"/>
-              </a:schemeClr>
-            </a:solidFill>
-          </a:ln>
-        </p:spPr>
-        <p:style>
-          <a:lnRef idx="2">
-            <a:schemeClr val="accent1">
-              <a:shade val="50000"/>
-            </a:schemeClr>
-          </a:lnRef>
-          <a:fillRef idx="1">
-            <a:schemeClr val="accent1"/>
-          </a:fillRef>
-          <a:effectRef idx="0">
-            <a:schemeClr val="accent1"/>
-          </a:effectRef>
-          <a:fontRef idx="minor">
-            <a:schemeClr val="lt1"/>
-          </a:fontRef>
-        </p:style>
-        <p:txBody>
-          <a:bodyPr rtlCol="0" anchor="ctr"/>
-          <a:lstStyle/>
-          <a:p>
-            <a:pPr algn="ctr"/>
-            <a:endParaRPr lang="en-US"/>
-          </a:p>
-        </p:txBody>
-      </p:sp>
-      <p:pic>
-        <p:nvPicPr>
-          <p:cNvPr id="9" name="Picture 8" descr="A graph with blue dots&#10;&#10;Description automatically generated">
-            <a:extLst>
-              <a:ext uri="{FF2B5EF4-FFF2-40B4-BE49-F238E27FC236}">
-                <a16:creationId xmlns:a16="http://schemas.microsoft.com/office/drawing/2014/main" id="{E5699220-9C3C-0412-3A7C-964811A23A84}"/>
-              </a:ext>
-            </a:extLst>
-          </p:cNvPr>
-          <p:cNvPicPr>
-            <a:picLocks noChangeAspect="1"/>
-          </p:cNvPicPr>
-          <p:nvPr/>
-        </p:nvPicPr>
-        <p:blipFill>
-          <a:blip r:embed="rId5"/>
-          <a:stretch>
-            <a:fillRect/>
-          </a:stretch>
-        </p:blipFill>
-        <p:spPr>
-          <a:xfrm>
-            <a:off x="7695873" y="3803433"/>
-            <a:ext cx="3854945" cy="2361153"/>
+            <a:off x="6253817" y="1847204"/>
+            <a:ext cx="5294715" cy="3163591"/>
           </a:xfrm>
           <a:prstGeom prst="rect">
             <a:avLst/>
@@ -4638,7 +4527,7 @@
     </p:spTree>
     <p:extLst>
       <p:ext uri="{BB962C8B-B14F-4D97-AF65-F5344CB8AC3E}">
-        <p14:creationId xmlns:p14="http://schemas.microsoft.com/office/powerpoint/2010/main" val="1750019598"/>
+        <p14:creationId xmlns:p14="http://schemas.microsoft.com/office/powerpoint/2010/main" val="1136673288"/>
       </p:ext>
     </p:extLst>
   </p:cSld>
@@ -4675,10 +4564,10 @@
       </p:grpSpPr>
       <p:sp>
         <p:nvSpPr>
-          <p:cNvPr id="10" name="Rectangle 9">
-            <a:extLst>
-              <a:ext uri="{FF2B5EF4-FFF2-40B4-BE49-F238E27FC236}">
-                <a16:creationId xmlns:a16="http://schemas.microsoft.com/office/drawing/2014/main" id="{01D0AF59-99C3-4251-AB9A-C966C6AD4400}"/>
+          <p:cNvPr id="14" name="Rectangle 13">
+            <a:extLst>
+              <a:ext uri="{FF2B5EF4-FFF2-40B4-BE49-F238E27FC236}">
+                <a16:creationId xmlns:a16="http://schemas.microsoft.com/office/drawing/2014/main" id="{9527FCEA-6143-4C5E-8C45-8AC9237ADE89}"/>
               </a:ext>
               <a:ext uri="{C183D7F6-B498-43B3-948B-1728B52AA6E4}">
                 <adec:decorative xmlns:adec="http://schemas.microsoft.com/office/drawing/2017/decorative" val="1"/>
@@ -4705,7 +4594,11 @@
             <a:avLst/>
           </a:prstGeom>
           <a:solidFill>
-            <a:schemeClr val="bg2"/>
+            <a:schemeClr val="tx1">
+              <a:lumMod val="50000"/>
+              <a:lumOff val="50000"/>
+              <a:alpha val="30000"/>
+            </a:schemeClr>
           </a:solidFill>
           <a:ln>
             <a:noFill/>
@@ -4738,10 +4631,10 @@
       </p:sp>
       <p:sp>
         <p:nvSpPr>
-          <p:cNvPr id="12" name="Rectangle 11">
-            <a:extLst>
-              <a:ext uri="{FF2B5EF4-FFF2-40B4-BE49-F238E27FC236}">
-                <a16:creationId xmlns:a16="http://schemas.microsoft.com/office/drawing/2014/main" id="{1855405F-37A2-4869-9154-F8BE3BECE6C3}"/>
+          <p:cNvPr id="58" name="Rectangle 57">
+            <a:extLst>
+              <a:ext uri="{FF2B5EF4-FFF2-40B4-BE49-F238E27FC236}">
+                <a16:creationId xmlns:a16="http://schemas.microsoft.com/office/drawing/2014/main" id="{1A9F23AD-7A55-49F3-A3EC-743F47F36B0E}"/>
               </a:ext>
               <a:ext uri="{C183D7F6-B498-43B3-948B-1728B52AA6E4}">
                 <adec:decorative xmlns:adec="http://schemas.microsoft.com/office/drawing/2017/decorative" val="1"/>
@@ -4761,8 +4654,8 @@
         </p:nvSpPr>
         <p:spPr>
           <a:xfrm>
-            <a:off x="477012" y="480060"/>
-            <a:ext cx="11237976" cy="5897880"/>
+            <a:off x="477012" y="487090"/>
+            <a:ext cx="6741849" cy="5897880"/>
           </a:xfrm>
           <a:prstGeom prst="rect">
             <a:avLst/>
@@ -4770,16 +4663,15 @@
           <a:solidFill>
             <a:srgbClr val="FFFFFF"/>
           </a:solidFill>
-          <a:ln w="9525">
-            <a:noFill/>
+          <a:ln w="19050">
+            <a:solidFill>
+              <a:schemeClr val="tx1">
+                <a:lumMod val="50000"/>
+                <a:lumOff val="50000"/>
+                <a:alpha val="80000"/>
+              </a:schemeClr>
+            </a:solidFill>
           </a:ln>
-          <a:effectLst>
-            <a:outerShdw blurRad="63500" dist="17780" dir="5400000" algn="t" rotWithShape="0">
-              <a:prstClr val="black">
-                <a:alpha val="43000"/>
-              </a:prstClr>
-            </a:outerShdw>
-          </a:effectLst>
         </p:spPr>
         <p:style>
           <a:lnRef idx="2">
@@ -4806,32 +4698,230 @@
           </a:p>
         </p:txBody>
       </p:sp>
+      <p:sp>
+        <p:nvSpPr>
+          <p:cNvPr id="18" name="Rectangle 17">
+            <a:extLst>
+              <a:ext uri="{FF2B5EF4-FFF2-40B4-BE49-F238E27FC236}">
+                <a16:creationId xmlns:a16="http://schemas.microsoft.com/office/drawing/2014/main" id="{D7D9F91F-72C9-4DB9-ABD0-A8180D8262D5}"/>
+              </a:ext>
+              <a:ext uri="{C183D7F6-B498-43B3-948B-1728B52AA6E4}">
+                <adec:decorative xmlns:adec="http://schemas.microsoft.com/office/drawing/2017/decorative" val="1"/>
+              </a:ext>
+            </a:extLst>
+          </p:cNvPr>
+          <p:cNvSpPr>
+            <a:spLocks noGrp="1" noRot="1" noChangeAspect="1" noMove="1" noResize="1" noEditPoints="1" noAdjustHandles="1" noChangeArrowheads="1" noChangeShapeType="1" noTextEdit="1"/>
+          </p:cNvSpPr>
+          <p:nvPr>
+            <p:extLst>
+              <p:ext uri="{386F3935-93C4-4BCD-93E2-E3B085C9AB24}">
+                <p16:designElem xmlns:p16="http://schemas.microsoft.com/office/powerpoint/2015/main" val="1"/>
+              </p:ext>
+            </p:extLst>
+          </p:nvPr>
+        </p:nvSpPr>
+        <p:spPr>
+          <a:xfrm>
+            <a:off x="7534655" y="480060"/>
+            <a:ext cx="4180332" cy="2788074"/>
+          </a:xfrm>
+          <a:prstGeom prst="rect">
+            <a:avLst/>
+          </a:prstGeom>
+          <a:solidFill>
+            <a:srgbClr val="FFFFFF"/>
+          </a:solidFill>
+          <a:ln w="19050">
+            <a:solidFill>
+              <a:schemeClr val="tx1">
+                <a:lumMod val="50000"/>
+                <a:lumOff val="50000"/>
+                <a:alpha val="80000"/>
+              </a:schemeClr>
+            </a:solidFill>
+          </a:ln>
+        </p:spPr>
+        <p:style>
+          <a:lnRef idx="2">
+            <a:schemeClr val="accent1">
+              <a:shade val="50000"/>
+            </a:schemeClr>
+          </a:lnRef>
+          <a:fillRef idx="1">
+            <a:schemeClr val="accent1"/>
+          </a:fillRef>
+          <a:effectRef idx="0">
+            <a:schemeClr val="accent1"/>
+          </a:effectRef>
+          <a:fontRef idx="minor">
+            <a:schemeClr val="lt1"/>
+          </a:fontRef>
+        </p:style>
+        <p:txBody>
+          <a:bodyPr rtlCol="0" anchor="ctr"/>
+          <a:lstStyle/>
+          <a:p>
+            <a:pPr algn="ctr"/>
+            <a:endParaRPr lang="en-US"/>
+          </a:p>
+        </p:txBody>
+      </p:sp>
       <p:pic>
         <p:nvPicPr>
-          <p:cNvPr id="5" name="Content Placeholder 4" descr="A chart of a movie rating&#10;&#10;Description automatically generated with medium confidence">
-            <a:extLst>
-              <a:ext uri="{FF2B5EF4-FFF2-40B4-BE49-F238E27FC236}">
-                <a16:creationId xmlns:a16="http://schemas.microsoft.com/office/drawing/2014/main" id="{61FEA9DE-6D98-9784-6002-B5144A8486B1}"/>
+          <p:cNvPr id="7" name="Picture 6" descr="A graph of a line graph&#10;&#10;Description automatically generated with medium confidence">
+            <a:extLst>
+              <a:ext uri="{FF2B5EF4-FFF2-40B4-BE49-F238E27FC236}">
+                <a16:creationId xmlns:a16="http://schemas.microsoft.com/office/drawing/2014/main" id="{B1C19236-56A1-C084-6E84-2B1F3BCA9A8E}"/>
               </a:ext>
             </a:extLst>
           </p:cNvPr>
           <p:cNvPicPr>
-            <a:picLocks noGrp="1" noChangeAspect="1"/>
+            <a:picLocks noChangeAspect="1"/>
           </p:cNvPicPr>
-          <p:nvPr>
-            <p:ph idx="1"/>
-          </p:nvPr>
+          <p:nvPr/>
         </p:nvPicPr>
         <p:blipFill>
-          <a:blip r:embed="rId2"/>
+          <a:blip r:embed="rId3"/>
           <a:stretch>
             <a:fillRect/>
           </a:stretch>
         </p:blipFill>
         <p:spPr>
           <a:xfrm>
-            <a:off x="643467" y="1016254"/>
-            <a:ext cx="10905066" cy="4825491"/>
+            <a:off x="7695873" y="652097"/>
+            <a:ext cx="3854945" cy="2444000"/>
+          </a:xfrm>
+          <a:prstGeom prst="rect">
+            <a:avLst/>
+          </a:prstGeom>
+        </p:spPr>
+      </p:pic>
+      <p:pic>
+        <p:nvPicPr>
+          <p:cNvPr id="5" name="Content Placeholder 4" descr="A graph with blue dots&#10;&#10;Description automatically generated">
+            <a:extLst>
+              <a:ext uri="{FF2B5EF4-FFF2-40B4-BE49-F238E27FC236}">
+                <a16:creationId xmlns:a16="http://schemas.microsoft.com/office/drawing/2014/main" id="{7A2E3A99-61D9-1519-EBB6-225055228F08}"/>
+              </a:ext>
+            </a:extLst>
+          </p:cNvPr>
+          <p:cNvPicPr>
+            <a:picLocks noGrp="1" noChangeAspect="1"/>
+          </p:cNvPicPr>
+          <p:nvPr>
+            <p:ph idx="1"/>
+          </p:nvPr>
+        </p:nvPicPr>
+        <p:blipFill>
+          <a:blip r:embed="rId4"/>
+          <a:stretch>
+            <a:fillRect/>
+          </a:stretch>
+        </p:blipFill>
+        <p:spPr>
+          <a:xfrm>
+            <a:off x="816966" y="1448143"/>
+            <a:ext cx="6238918" cy="3961713"/>
+          </a:xfrm>
+          <a:prstGeom prst="rect">
+            <a:avLst/>
+          </a:prstGeom>
+        </p:spPr>
+      </p:pic>
+      <p:sp>
+        <p:nvSpPr>
+          <p:cNvPr id="20" name="Rectangle 19">
+            <a:extLst>
+              <a:ext uri="{FF2B5EF4-FFF2-40B4-BE49-F238E27FC236}">
+                <a16:creationId xmlns:a16="http://schemas.microsoft.com/office/drawing/2014/main" id="{BE016956-CE9F-4946-8834-A8BC3529D0F6}"/>
+              </a:ext>
+              <a:ext uri="{C183D7F6-B498-43B3-948B-1728B52AA6E4}">
+                <adec:decorative xmlns:adec="http://schemas.microsoft.com/office/drawing/2017/decorative" val="1"/>
+              </a:ext>
+            </a:extLst>
+          </p:cNvPr>
+          <p:cNvSpPr>
+            <a:spLocks noGrp="1" noRot="1" noChangeAspect="1" noMove="1" noResize="1" noEditPoints="1" noAdjustHandles="1" noChangeArrowheads="1" noChangeShapeType="1" noTextEdit="1"/>
+          </p:cNvSpPr>
+          <p:nvPr>
+            <p:extLst>
+              <p:ext uri="{386F3935-93C4-4BCD-93E2-E3B085C9AB24}">
+                <p16:designElem xmlns:p16="http://schemas.microsoft.com/office/powerpoint/2015/main" val="1"/>
+              </p:ext>
+            </p:extLst>
+          </p:nvPr>
+        </p:nvSpPr>
+        <p:spPr>
+          <a:xfrm>
+            <a:off x="7534655" y="3603670"/>
+            <a:ext cx="4180332" cy="2788074"/>
+          </a:xfrm>
+          <a:prstGeom prst="rect">
+            <a:avLst/>
+          </a:prstGeom>
+          <a:solidFill>
+            <a:srgbClr val="FFFFFF"/>
+          </a:solidFill>
+          <a:ln w="19050">
+            <a:solidFill>
+              <a:schemeClr val="tx1">
+                <a:lumMod val="50000"/>
+                <a:lumOff val="50000"/>
+                <a:alpha val="80000"/>
+              </a:schemeClr>
+            </a:solidFill>
+          </a:ln>
+        </p:spPr>
+        <p:style>
+          <a:lnRef idx="2">
+            <a:schemeClr val="accent1">
+              <a:shade val="50000"/>
+            </a:schemeClr>
+          </a:lnRef>
+          <a:fillRef idx="1">
+            <a:schemeClr val="accent1"/>
+          </a:fillRef>
+          <a:effectRef idx="0">
+            <a:schemeClr val="accent1"/>
+          </a:effectRef>
+          <a:fontRef idx="minor">
+            <a:schemeClr val="lt1"/>
+          </a:fontRef>
+        </p:style>
+        <p:txBody>
+          <a:bodyPr rtlCol="0" anchor="ctr"/>
+          <a:lstStyle/>
+          <a:p>
+            <a:pPr algn="ctr"/>
+            <a:endParaRPr lang="en-US"/>
+          </a:p>
+        </p:txBody>
+      </p:sp>
+      <p:pic>
+        <p:nvPicPr>
+          <p:cNvPr id="9" name="Picture 8" descr="A graph with blue dots&#10;&#10;Description automatically generated">
+            <a:extLst>
+              <a:ext uri="{FF2B5EF4-FFF2-40B4-BE49-F238E27FC236}">
+                <a16:creationId xmlns:a16="http://schemas.microsoft.com/office/drawing/2014/main" id="{E5699220-9C3C-0412-3A7C-964811A23A84}"/>
+              </a:ext>
+            </a:extLst>
+          </p:cNvPr>
+          <p:cNvPicPr>
+            <a:picLocks noChangeAspect="1"/>
+          </p:cNvPicPr>
+          <p:nvPr/>
+        </p:nvPicPr>
+        <p:blipFill>
+          <a:blip r:embed="rId5"/>
+          <a:stretch>
+            <a:fillRect/>
+          </a:stretch>
+        </p:blipFill>
+        <p:spPr>
+          <a:xfrm>
+            <a:off x="7695873" y="3803433"/>
+            <a:ext cx="3854945" cy="2361153"/>
           </a:xfrm>
           <a:prstGeom prst="rect">
             <a:avLst/>
@@ -4841,7 +4931,7 @@
     </p:spTree>
     <p:extLst>
       <p:ext uri="{BB962C8B-B14F-4D97-AF65-F5344CB8AC3E}">
-        <p14:creationId xmlns:p14="http://schemas.microsoft.com/office/powerpoint/2010/main" val="1856679218"/>
+        <p14:creationId xmlns:p14="http://schemas.microsoft.com/office/powerpoint/2010/main" val="1750019598"/>
       </p:ext>
     </p:extLst>
   </p:cSld>
@@ -5011,10 +5101,10 @@
       </p:sp>
       <p:pic>
         <p:nvPicPr>
-          <p:cNvPr id="5" name="Content Placeholder 4" descr="A chart of a graph&#10;&#10;Description automatically generated with medium confidence">
-            <a:extLst>
-              <a:ext uri="{FF2B5EF4-FFF2-40B4-BE49-F238E27FC236}">
-                <a16:creationId xmlns:a16="http://schemas.microsoft.com/office/drawing/2014/main" id="{D7E79219-6858-F55B-83E7-868448C71724}"/>
+          <p:cNvPr id="5" name="Content Placeholder 4" descr="A chart of a movie rating&#10;&#10;Description automatically generated with medium confidence">
+            <a:extLst>
+              <a:ext uri="{FF2B5EF4-FFF2-40B4-BE49-F238E27FC236}">
+                <a16:creationId xmlns:a16="http://schemas.microsoft.com/office/drawing/2014/main" id="{61FEA9DE-6D98-9784-6002-B5144A8486B1}"/>
               </a:ext>
             </a:extLst>
           </p:cNvPr>
@@ -5033,8 +5123,8 @@
         </p:blipFill>
         <p:spPr>
           <a:xfrm>
-            <a:off x="643467" y="975360"/>
-            <a:ext cx="10905066" cy="4907279"/>
+            <a:off x="643467" y="1016254"/>
+            <a:ext cx="10905066" cy="4825491"/>
           </a:xfrm>
           <a:prstGeom prst="rect">
             <a:avLst/>
@@ -5044,7 +5134,7 @@
     </p:spTree>
     <p:extLst>
       <p:ext uri="{BB962C8B-B14F-4D97-AF65-F5344CB8AC3E}">
-        <p14:creationId xmlns:p14="http://schemas.microsoft.com/office/powerpoint/2010/main" val="2666137883"/>
+        <p14:creationId xmlns:p14="http://schemas.microsoft.com/office/powerpoint/2010/main" val="1856679218"/>
       </p:ext>
     </p:extLst>
   </p:cSld>
@@ -5214,10 +5304,10 @@
       </p:sp>
       <p:pic>
         <p:nvPicPr>
-          <p:cNvPr id="5" name="Content Placeholder 4" descr="A chart of a movie actor&#10;&#10;Description automatically generated with medium confidence">
-            <a:extLst>
-              <a:ext uri="{FF2B5EF4-FFF2-40B4-BE49-F238E27FC236}">
-                <a16:creationId xmlns:a16="http://schemas.microsoft.com/office/drawing/2014/main" id="{9040D208-246E-6C01-D46E-DB0BECDDB765}"/>
+          <p:cNvPr id="5" name="Content Placeholder 4" descr="A chart of a graph&#10;&#10;Description automatically generated with medium confidence">
+            <a:extLst>
+              <a:ext uri="{FF2B5EF4-FFF2-40B4-BE49-F238E27FC236}">
+                <a16:creationId xmlns:a16="http://schemas.microsoft.com/office/drawing/2014/main" id="{D7E79219-6858-F55B-83E7-868448C71724}"/>
               </a:ext>
             </a:extLst>
           </p:cNvPr>
@@ -5236,8 +5326,8 @@
         </p:blipFill>
         <p:spPr>
           <a:xfrm>
-            <a:off x="643467" y="1084410"/>
-            <a:ext cx="10905066" cy="4689178"/>
+            <a:off x="643467" y="975360"/>
+            <a:ext cx="10905066" cy="4907279"/>
           </a:xfrm>
           <a:prstGeom prst="rect">
             <a:avLst/>
@@ -5247,7 +5337,7 @@
     </p:spTree>
     <p:extLst>
       <p:ext uri="{BB962C8B-B14F-4D97-AF65-F5344CB8AC3E}">
-        <p14:creationId xmlns:p14="http://schemas.microsoft.com/office/powerpoint/2010/main" val="3580718460"/>
+        <p14:creationId xmlns:p14="http://schemas.microsoft.com/office/powerpoint/2010/main" val="2666137883"/>
       </p:ext>
     </p:extLst>
   </p:cSld>
@@ -5284,10 +5374,10 @@
       </p:grpSpPr>
       <p:sp>
         <p:nvSpPr>
-          <p:cNvPr id="48" name="Rectangle 47">
-            <a:extLst>
-              <a:ext uri="{FF2B5EF4-FFF2-40B4-BE49-F238E27FC236}">
-                <a16:creationId xmlns:a16="http://schemas.microsoft.com/office/drawing/2014/main" id="{E8D41CF8-5232-42BC-8D05-AFEDE215398E}"/>
+          <p:cNvPr id="10" name="Rectangle 9">
+            <a:extLst>
+              <a:ext uri="{FF2B5EF4-FFF2-40B4-BE49-F238E27FC236}">
+                <a16:creationId xmlns:a16="http://schemas.microsoft.com/office/drawing/2014/main" id="{01D0AF59-99C3-4251-AB9A-C966C6AD4400}"/>
               </a:ext>
               <a:ext uri="{C183D7F6-B498-43B3-948B-1728B52AA6E4}">
                 <adec:decorative xmlns:adec="http://schemas.microsoft.com/office/drawing/2017/decorative" val="1"/>
@@ -5307,17 +5397,14 @@
         </p:nvSpPr>
         <p:spPr>
           <a:xfrm>
-            <a:off x="0" y="-11256"/>
-            <a:ext cx="12192000" cy="6869256"/>
+            <a:off x="0" y="0"/>
+            <a:ext cx="12192000" cy="6858000"/>
           </a:xfrm>
           <a:prstGeom prst="rect">
             <a:avLst/>
           </a:prstGeom>
           <a:solidFill>
-            <a:schemeClr val="bg1">
-              <a:lumMod val="85000"/>
-              <a:alpha val="70000"/>
-            </a:schemeClr>
+            <a:schemeClr val="bg2"/>
           </a:solidFill>
           <a:ln>
             <a:noFill/>
@@ -5344,70 +5431,16 @@
           <a:lstStyle/>
           <a:p>
             <a:pPr algn="ctr"/>
-            <a:endParaRPr lang="en-US" dirty="0"/>
-          </a:p>
-        </p:txBody>
-      </p:sp>
-      <p:sp>
-        <p:nvSpPr>
-          <p:cNvPr id="2" name="Title 1">
-            <a:extLst>
-              <a:ext uri="{FF2B5EF4-FFF2-40B4-BE49-F238E27FC236}">
-                <a16:creationId xmlns:a16="http://schemas.microsoft.com/office/drawing/2014/main" id="{2EA2C399-2E5A-55F1-1E55-CAD4E49652D5}"/>
-              </a:ext>
-            </a:extLst>
-          </p:cNvPr>
-          <p:cNvSpPr>
-            <a:spLocks noGrp="1"/>
-          </p:cNvSpPr>
-          <p:nvPr>
-            <p:ph type="title"/>
-          </p:nvPr>
-        </p:nvSpPr>
-        <p:spPr>
-          <a:xfrm>
-            <a:off x="838200" y="365125"/>
-            <a:ext cx="10515600" cy="1325563"/>
-          </a:xfrm>
-          <a:prstGeom prst="ellipse">
-            <a:avLst/>
-          </a:prstGeom>
-        </p:spPr>
-        <p:txBody>
-          <a:bodyPr vert="horz" lIns="91440" tIns="45720" rIns="91440" bIns="45720" rtlCol="0" anchor="ctr">
-            <a:normAutofit/>
-          </a:bodyPr>
-          <a:lstStyle/>
-          <a:p>
-            <a:r>
-              <a:rPr lang="en-US" sz="2100" kern="1200">
-                <a:solidFill>
-                  <a:schemeClr val="tx1"/>
-                </a:solidFill>
-                <a:effectLst/>
-                <a:latin typeface="+mj-lt"/>
-                <a:ea typeface="+mj-ea"/>
-                <a:cs typeface="+mj-cs"/>
-              </a:rPr>
-              <a:t>4. How does the duration of a movie impact audience reception and ratings? Are longer or shorter movies more favorably received? </a:t>
-            </a:r>
-            <a:endParaRPr lang="en-US" sz="2100" kern="1200">
-              <a:solidFill>
-                <a:schemeClr val="tx1"/>
-              </a:solidFill>
-              <a:latin typeface="+mj-lt"/>
-              <a:ea typeface="+mj-ea"/>
-              <a:cs typeface="+mj-cs"/>
-            </a:endParaRPr>
-          </a:p>
-        </p:txBody>
-      </p:sp>
-      <p:sp>
-        <p:nvSpPr>
-          <p:cNvPr id="50" name="Rounded Rectangle 5">
-            <a:extLst>
-              <a:ext uri="{FF2B5EF4-FFF2-40B4-BE49-F238E27FC236}">
-                <a16:creationId xmlns:a16="http://schemas.microsoft.com/office/drawing/2014/main" id="{49237091-E62C-4878-AA4C-0B9995ADB28F}"/>
+            <a:endParaRPr lang="en-US"/>
+          </a:p>
+        </p:txBody>
+      </p:sp>
+      <p:sp>
+        <p:nvSpPr>
+          <p:cNvPr id="12" name="Rectangle 11">
+            <a:extLst>
+              <a:ext uri="{FF2B5EF4-FFF2-40B4-BE49-F238E27FC236}">
+                <a16:creationId xmlns:a16="http://schemas.microsoft.com/office/drawing/2014/main" id="{1855405F-37A2-4869-9154-F8BE3BECE6C3}"/>
               </a:ext>
               <a:ext uri="{C183D7F6-B498-43B3-948B-1728B52AA6E4}">
                 <adec:decorative xmlns:adec="http://schemas.microsoft.com/office/drawing/2017/decorative" val="1"/>
@@ -5427,26 +5460,22 @@
         </p:nvSpPr>
         <p:spPr>
           <a:xfrm>
-            <a:off x="838200" y="1828801"/>
-            <a:ext cx="10515600" cy="4362450"/>
-          </a:xfrm>
-          <a:prstGeom prst="roundRect">
-            <a:avLst>
-              <a:gd name="adj" fmla="val 0"/>
-            </a:avLst>
+            <a:off x="477012" y="480060"/>
+            <a:ext cx="11237976" cy="5897880"/>
+          </a:xfrm>
+          <a:prstGeom prst="rect">
+            <a:avLst/>
           </a:prstGeom>
           <a:solidFill>
             <a:srgbClr val="FFFFFF"/>
           </a:solidFill>
           <a:ln w="9525">
-            <a:solidFill>
-              <a:srgbClr val="C8CACA"/>
-            </a:solidFill>
+            <a:noFill/>
           </a:ln>
           <a:effectLst>
-            <a:outerShdw blurRad="57150" dist="19050" dir="5400000" algn="t" rotWithShape="0">
+            <a:outerShdw blurRad="63500" dist="17780" dir="5400000" algn="t" rotWithShape="0">
               <a:prstClr val="black">
-                <a:alpha val="63000"/>
+                <a:alpha val="43000"/>
               </a:prstClr>
             </a:outerShdw>
           </a:effectLst>
@@ -5478,38 +5507,40 @@
       </p:sp>
       <p:pic>
         <p:nvPicPr>
-          <p:cNvPr id="5" name="Content Placeholder 4" descr="A graph of blue bars with white text&#10;&#10;Description automatically generated">
-            <a:extLst>
-              <a:ext uri="{FF2B5EF4-FFF2-40B4-BE49-F238E27FC236}">
-                <a16:creationId xmlns:a16="http://schemas.microsoft.com/office/drawing/2014/main" id="{EAB92920-FB1E-0C02-9034-23B5E43C496A}"/>
+          <p:cNvPr id="5" name="Content Placeholder 4" descr="A chart of a movie actor&#10;&#10;Description automatically generated with medium confidence">
+            <a:extLst>
+              <a:ext uri="{FF2B5EF4-FFF2-40B4-BE49-F238E27FC236}">
+                <a16:creationId xmlns:a16="http://schemas.microsoft.com/office/drawing/2014/main" id="{9040D208-246E-6C01-D46E-DB0BECDDB765}"/>
               </a:ext>
             </a:extLst>
           </p:cNvPr>
           <p:cNvPicPr>
-            <a:picLocks noChangeAspect="1"/>
+            <a:picLocks noGrp="1" noChangeAspect="1"/>
           </p:cNvPicPr>
-          <p:nvPr/>
+          <p:nvPr>
+            <p:ph idx="1"/>
+          </p:nvPr>
         </p:nvPicPr>
-        <p:blipFill rotWithShape="1">
+        <p:blipFill>
           <a:blip r:embed="rId2"/>
-          <a:srcRect t="7558" r="-2" b="-2"/>
-          <a:stretch/>
+          <a:stretch>
+            <a:fillRect/>
+          </a:stretch>
         </p:blipFill>
         <p:spPr>
           <a:xfrm>
-            <a:off x="3412081" y="2149222"/>
-            <a:ext cx="5367837" cy="3721608"/>
+            <a:off x="643467" y="1084410"/>
+            <a:ext cx="10905066" cy="4689178"/>
           </a:xfrm>
           <a:prstGeom prst="rect">
             <a:avLst/>
           </a:prstGeom>
-          <a:effectLst/>
         </p:spPr>
       </p:pic>
     </p:spTree>
     <p:extLst>
       <p:ext uri="{BB962C8B-B14F-4D97-AF65-F5344CB8AC3E}">
-        <p14:creationId xmlns:p14="http://schemas.microsoft.com/office/powerpoint/2010/main" val="4134366110"/>
+        <p14:creationId xmlns:p14="http://schemas.microsoft.com/office/powerpoint/2010/main" val="3580718460"/>
       </p:ext>
     </p:extLst>
   </p:cSld>
@@ -5520,66 +5551,6 @@
 </file>
 
 <file path=ppt/slides/slide15.xml><?xml version="1.0" encoding="utf-8"?>
-<p:sld xmlns:a="http://schemas.openxmlformats.org/drawingml/2006/main" xmlns:r="http://schemas.openxmlformats.org/officeDocument/2006/relationships" xmlns:p="http://schemas.openxmlformats.org/presentationml/2006/main">
-  <p:cSld>
-    <p:spTree>
-      <p:nvGrpSpPr>
-        <p:cNvPr id="1" name=""/>
-        <p:cNvGrpSpPr/>
-        <p:nvPr/>
-      </p:nvGrpSpPr>
-      <p:grpSpPr>
-        <a:xfrm>
-          <a:off x="0" y="0"/>
-          <a:ext cx="0" cy="0"/>
-          <a:chOff x="0" y="0"/>
-          <a:chExt cx="0" cy="0"/>
-        </a:xfrm>
-      </p:grpSpPr>
-      <p:pic>
-        <p:nvPicPr>
-          <p:cNvPr id="5" name="Picture 4" descr="A group of blue dots&#10;&#10;Description automatically generated">
-            <a:extLst>
-              <a:ext uri="{FF2B5EF4-FFF2-40B4-BE49-F238E27FC236}">
-                <a16:creationId xmlns:a16="http://schemas.microsoft.com/office/drawing/2014/main" id="{24C15D59-6B59-C940-F6E4-9D2B1E3DB464}"/>
-              </a:ext>
-            </a:extLst>
-          </p:cNvPr>
-          <p:cNvPicPr>
-            <a:picLocks noChangeAspect="1"/>
-          </p:cNvPicPr>
-          <p:nvPr/>
-        </p:nvPicPr>
-        <p:blipFill>
-          <a:blip r:embed="rId2"/>
-          <a:stretch>
-            <a:fillRect/>
-          </a:stretch>
-        </p:blipFill>
-        <p:spPr>
-          <a:xfrm>
-            <a:off x="2667000" y="0"/>
-            <a:ext cx="6858000" cy="6858000"/>
-          </a:xfrm>
-          <a:prstGeom prst="rect">
-            <a:avLst/>
-          </a:prstGeom>
-        </p:spPr>
-      </p:pic>
-    </p:spTree>
-    <p:extLst>
-      <p:ext uri="{BB962C8B-B14F-4D97-AF65-F5344CB8AC3E}">
-        <p14:creationId xmlns:p14="http://schemas.microsoft.com/office/powerpoint/2010/main" val="954436580"/>
-      </p:ext>
-    </p:extLst>
-  </p:cSld>
-  <p:clrMapOvr>
-    <a:masterClrMapping/>
-  </p:clrMapOvr>
-</p:sld>
-</file>
-
-<file path=ppt/slides/slide16.xml><?xml version="1.0" encoding="utf-8"?>
 <p:sld xmlns:a="http://schemas.openxmlformats.org/drawingml/2006/main" xmlns:r="http://schemas.openxmlformats.org/officeDocument/2006/relationships" xmlns:p="http://schemas.openxmlformats.org/presentationml/2006/main">
   <p:cSld>
     <p:bg>
@@ -5606,10 +5577,10 @@
       </p:grpSpPr>
       <p:sp>
         <p:nvSpPr>
-          <p:cNvPr id="9" name="Rectangle 8">
-            <a:extLst>
-              <a:ext uri="{FF2B5EF4-FFF2-40B4-BE49-F238E27FC236}">
-                <a16:creationId xmlns:a16="http://schemas.microsoft.com/office/drawing/2014/main" id="{01D0AF59-99C3-4251-AB9A-C966C6AD4400}"/>
+          <p:cNvPr id="48" name="Rectangle 47">
+            <a:extLst>
+              <a:ext uri="{FF2B5EF4-FFF2-40B4-BE49-F238E27FC236}">
+                <a16:creationId xmlns:a16="http://schemas.microsoft.com/office/drawing/2014/main" id="{E8D41CF8-5232-42BC-8D05-AFEDE215398E}"/>
               </a:ext>
               <a:ext uri="{C183D7F6-B498-43B3-948B-1728B52AA6E4}">
                 <adec:decorative xmlns:adec="http://schemas.microsoft.com/office/drawing/2017/decorative" val="1"/>
@@ -5629,14 +5600,17 @@
         </p:nvSpPr>
         <p:spPr>
           <a:xfrm>
-            <a:off x="0" y="0"/>
-            <a:ext cx="12192000" cy="6858000"/>
+            <a:off x="0" y="-11256"/>
+            <a:ext cx="12192000" cy="6869256"/>
           </a:xfrm>
           <a:prstGeom prst="rect">
             <a:avLst/>
           </a:prstGeom>
           <a:solidFill>
-            <a:schemeClr val="bg2"/>
+            <a:schemeClr val="bg1">
+              <a:lumMod val="85000"/>
+              <a:alpha val="70000"/>
+            </a:schemeClr>
           </a:solidFill>
           <a:ln>
             <a:noFill/>
@@ -5663,16 +5637,66 @@
           <a:lstStyle/>
           <a:p>
             <a:pPr algn="ctr"/>
-            <a:endParaRPr lang="en-US"/>
-          </a:p>
-        </p:txBody>
-      </p:sp>
-      <p:sp>
-        <p:nvSpPr>
-          <p:cNvPr id="11" name="Rectangle 10">
-            <a:extLst>
-              <a:ext uri="{FF2B5EF4-FFF2-40B4-BE49-F238E27FC236}">
-                <a16:creationId xmlns:a16="http://schemas.microsoft.com/office/drawing/2014/main" id="{1855405F-37A2-4869-9154-F8BE3BECE6C3}"/>
+            <a:endParaRPr lang="en-US" dirty="0"/>
+          </a:p>
+        </p:txBody>
+      </p:sp>
+      <p:sp>
+        <p:nvSpPr>
+          <p:cNvPr id="2" name="Title 1">
+            <a:extLst>
+              <a:ext uri="{FF2B5EF4-FFF2-40B4-BE49-F238E27FC236}">
+                <a16:creationId xmlns:a16="http://schemas.microsoft.com/office/drawing/2014/main" id="{2EA2C399-2E5A-55F1-1E55-CAD4E49652D5}"/>
+              </a:ext>
+            </a:extLst>
+          </p:cNvPr>
+          <p:cNvSpPr>
+            <a:spLocks noGrp="1"/>
+          </p:cNvSpPr>
+          <p:nvPr>
+            <p:ph type="title"/>
+          </p:nvPr>
+        </p:nvSpPr>
+        <p:spPr>
+          <a:xfrm>
+            <a:off x="393290" y="365125"/>
+            <a:ext cx="10960510" cy="1325563"/>
+          </a:xfrm>
+          <a:prstGeom prst="ellipse">
+            <a:avLst/>
+          </a:prstGeom>
+        </p:spPr>
+        <p:txBody>
+          <a:bodyPr vert="horz" lIns="91440" tIns="45720" rIns="91440" bIns="45720" rtlCol="0" anchor="ctr">
+            <a:noAutofit/>
+          </a:bodyPr>
+          <a:lstStyle/>
+          <a:p>
+            <a:r>
+              <a:rPr lang="en-US" sz="2400" b="1" kern="1200" dirty="0">
+                <a:solidFill>
+                  <a:schemeClr val="tx1"/>
+                </a:solidFill>
+                <a:effectLst/>
+                <a:latin typeface="Arial Black" panose="020B0A04020102020204" pitchFamily="34" charset="0"/>
+              </a:rPr>
+              <a:t>4. How does the duration of a movie impact audience reception and ratings? Are longer or shorter movies more favorably received? </a:t>
+            </a:r>
+            <a:endParaRPr lang="en-US" sz="2400" b="1" kern="1200" dirty="0">
+              <a:solidFill>
+                <a:schemeClr val="tx1"/>
+              </a:solidFill>
+              <a:latin typeface="Arial Black" panose="020B0A04020102020204" pitchFamily="34" charset="0"/>
+            </a:endParaRPr>
+          </a:p>
+        </p:txBody>
+      </p:sp>
+      <p:sp>
+        <p:nvSpPr>
+          <p:cNvPr id="50" name="Rounded Rectangle 5">
+            <a:extLst>
+              <a:ext uri="{FF2B5EF4-FFF2-40B4-BE49-F238E27FC236}">
+                <a16:creationId xmlns:a16="http://schemas.microsoft.com/office/drawing/2014/main" id="{49237091-E62C-4878-AA4C-0B9995ADB28F}"/>
               </a:ext>
               <a:ext uri="{C183D7F6-B498-43B3-948B-1728B52AA6E4}">
                 <adec:decorative xmlns:adec="http://schemas.microsoft.com/office/drawing/2017/decorative" val="1"/>
@@ -5692,22 +5716,26 @@
         </p:nvSpPr>
         <p:spPr>
           <a:xfrm>
-            <a:off x="477012" y="480060"/>
-            <a:ext cx="11237976" cy="5897880"/>
-          </a:xfrm>
-          <a:prstGeom prst="rect">
-            <a:avLst/>
+            <a:off x="838200" y="1828801"/>
+            <a:ext cx="10515600" cy="4362450"/>
+          </a:xfrm>
+          <a:prstGeom prst="roundRect">
+            <a:avLst>
+              <a:gd name="adj" fmla="val 0"/>
+            </a:avLst>
           </a:prstGeom>
           <a:solidFill>
             <a:srgbClr val="FFFFFF"/>
           </a:solidFill>
           <a:ln w="9525">
-            <a:noFill/>
+            <a:solidFill>
+              <a:srgbClr val="C8CACA"/>
+            </a:solidFill>
           </a:ln>
           <a:effectLst>
-            <a:outerShdw blurRad="63500" dist="17780" dir="5400000" algn="t" rotWithShape="0">
+            <a:outerShdw blurRad="57150" dist="19050" dir="5400000" algn="t" rotWithShape="0">
               <a:prstClr val="black">
-                <a:alpha val="43000"/>
+                <a:alpha val="63000"/>
               </a:prstClr>
             </a:outerShdw>
           </a:effectLst>
@@ -5739,10 +5767,70 @@
       </p:sp>
       <p:pic>
         <p:nvPicPr>
-          <p:cNvPr id="4" name="Picture 3" descr="A graph of blue dots&#10;&#10;Description automatically generated">
-            <a:extLst>
-              <a:ext uri="{FF2B5EF4-FFF2-40B4-BE49-F238E27FC236}">
-                <a16:creationId xmlns:a16="http://schemas.microsoft.com/office/drawing/2014/main" id="{E10A1E7E-5C62-B75D-6EEA-2B839DF95206}"/>
+          <p:cNvPr id="5" name="Content Placeholder 4" descr="A graph of blue bars with white text&#10;&#10;Description automatically generated">
+            <a:extLst>
+              <a:ext uri="{FF2B5EF4-FFF2-40B4-BE49-F238E27FC236}">
+                <a16:creationId xmlns:a16="http://schemas.microsoft.com/office/drawing/2014/main" id="{EAB92920-FB1E-0C02-9034-23B5E43C496A}"/>
+              </a:ext>
+            </a:extLst>
+          </p:cNvPr>
+          <p:cNvPicPr>
+            <a:picLocks noChangeAspect="1"/>
+          </p:cNvPicPr>
+          <p:nvPr/>
+        </p:nvPicPr>
+        <p:blipFill rotWithShape="1">
+          <a:blip r:embed="rId2"/>
+          <a:srcRect t="7558" r="-2" b="-2"/>
+          <a:stretch/>
+        </p:blipFill>
+        <p:spPr>
+          <a:xfrm>
+            <a:off x="3412081" y="2149222"/>
+            <a:ext cx="5367837" cy="3721608"/>
+          </a:xfrm>
+          <a:prstGeom prst="rect">
+            <a:avLst/>
+          </a:prstGeom>
+          <a:effectLst/>
+        </p:spPr>
+      </p:pic>
+    </p:spTree>
+    <p:extLst>
+      <p:ext uri="{BB962C8B-B14F-4D97-AF65-F5344CB8AC3E}">
+        <p14:creationId xmlns:p14="http://schemas.microsoft.com/office/powerpoint/2010/main" val="4134366110"/>
+      </p:ext>
+    </p:extLst>
+  </p:cSld>
+  <p:clrMapOvr>
+    <a:masterClrMapping/>
+  </p:clrMapOvr>
+</p:sld>
+</file>
+
+<file path=ppt/slides/slide16.xml><?xml version="1.0" encoding="utf-8"?>
+<p:sld xmlns:a="http://schemas.openxmlformats.org/drawingml/2006/main" xmlns:r="http://schemas.openxmlformats.org/officeDocument/2006/relationships" xmlns:p="http://schemas.openxmlformats.org/presentationml/2006/main">
+  <p:cSld>
+    <p:spTree>
+      <p:nvGrpSpPr>
+        <p:cNvPr id="1" name=""/>
+        <p:cNvGrpSpPr/>
+        <p:nvPr/>
+      </p:nvGrpSpPr>
+      <p:grpSpPr>
+        <a:xfrm>
+          <a:off x="0" y="0"/>
+          <a:ext cx="0" cy="0"/>
+          <a:chOff x="0" y="0"/>
+          <a:chExt cx="0" cy="0"/>
+        </a:xfrm>
+      </p:grpSpPr>
+      <p:pic>
+        <p:nvPicPr>
+          <p:cNvPr id="5" name="Picture 4" descr="A group of blue dots&#10;&#10;Description automatically generated">
+            <a:extLst>
+              <a:ext uri="{FF2B5EF4-FFF2-40B4-BE49-F238E27FC236}">
+                <a16:creationId xmlns:a16="http://schemas.microsoft.com/office/drawing/2014/main" id="{24C15D59-6B59-C940-F6E4-9D2B1E3DB464}"/>
               </a:ext>
             </a:extLst>
           </p:cNvPr>
@@ -5759,8 +5847,8 @@
         </p:blipFill>
         <p:spPr>
           <a:xfrm>
-            <a:off x="2381956" y="643467"/>
-            <a:ext cx="7428088" cy="5571066"/>
+            <a:off x="2667000" y="0"/>
+            <a:ext cx="6858000" cy="6858000"/>
           </a:xfrm>
           <a:prstGeom prst="rect">
             <a:avLst/>
@@ -5770,7 +5858,7 @@
     </p:spTree>
     <p:extLst>
       <p:ext uri="{BB962C8B-B14F-4D97-AF65-F5344CB8AC3E}">
-        <p14:creationId xmlns:p14="http://schemas.microsoft.com/office/powerpoint/2010/main" val="1667166382"/>
+        <p14:creationId xmlns:p14="http://schemas.microsoft.com/office/powerpoint/2010/main" val="954436580"/>
       </p:ext>
     </p:extLst>
   </p:cSld>
@@ -5807,10 +5895,10 @@
       </p:grpSpPr>
       <p:sp>
         <p:nvSpPr>
-          <p:cNvPr id="78" name="Rectangle 77">
-            <a:extLst>
-              <a:ext uri="{FF2B5EF4-FFF2-40B4-BE49-F238E27FC236}">
-                <a16:creationId xmlns:a16="http://schemas.microsoft.com/office/drawing/2014/main" id="{E8D41CF8-5232-42BC-8D05-AFEDE215398E}"/>
+          <p:cNvPr id="9" name="Rectangle 8">
+            <a:extLst>
+              <a:ext uri="{FF2B5EF4-FFF2-40B4-BE49-F238E27FC236}">
+                <a16:creationId xmlns:a16="http://schemas.microsoft.com/office/drawing/2014/main" id="{01D0AF59-99C3-4251-AB9A-C966C6AD4400}"/>
               </a:ext>
               <a:ext uri="{C183D7F6-B498-43B3-948B-1728B52AA6E4}">
                 <adec:decorative xmlns:adec="http://schemas.microsoft.com/office/drawing/2017/decorative" val="1"/>
@@ -5830,17 +5918,14 @@
         </p:nvSpPr>
         <p:spPr>
           <a:xfrm>
-            <a:off x="0" y="-11256"/>
-            <a:ext cx="12192000" cy="6869256"/>
+            <a:off x="0" y="0"/>
+            <a:ext cx="12192000" cy="6858000"/>
           </a:xfrm>
           <a:prstGeom prst="rect">
             <a:avLst/>
           </a:prstGeom>
           <a:solidFill>
-            <a:schemeClr val="bg1">
-              <a:lumMod val="85000"/>
-              <a:alpha val="70000"/>
-            </a:schemeClr>
+            <a:schemeClr val="bg2"/>
           </a:solidFill>
           <a:ln>
             <a:noFill/>
@@ -5867,73 +5952,16 @@
           <a:lstStyle/>
           <a:p>
             <a:pPr algn="ctr"/>
-            <a:endParaRPr lang="en-US" dirty="0"/>
-          </a:p>
-        </p:txBody>
-      </p:sp>
-      <p:sp>
-        <p:nvSpPr>
-          <p:cNvPr id="2" name="Title 1">
-            <a:extLst>
-              <a:ext uri="{FF2B5EF4-FFF2-40B4-BE49-F238E27FC236}">
-                <a16:creationId xmlns:a16="http://schemas.microsoft.com/office/drawing/2014/main" id="{978C49FB-6CC9-35D7-A9E4-068B64C9F13D}"/>
-              </a:ext>
-            </a:extLst>
-          </p:cNvPr>
-          <p:cNvSpPr>
-            <a:spLocks noGrp="1"/>
-          </p:cNvSpPr>
-          <p:nvPr>
-            <p:ph type="title"/>
-          </p:nvPr>
-        </p:nvSpPr>
-        <p:spPr>
-          <a:xfrm>
-            <a:off x="838200" y="365125"/>
-            <a:ext cx="10515600" cy="1325563"/>
-          </a:xfrm>
-        </p:spPr>
-        <p:txBody>
-          <a:bodyPr vert="horz" lIns="91440" tIns="45720" rIns="91440" bIns="45720" rtlCol="0" anchor="ctr">
-            <a:normAutofit/>
-          </a:bodyPr>
-          <a:lstStyle/>
-          <a:p>
-            <a:pPr marL="457200" lvl="1" algn="l" rtl="0">
-              <a:lnSpc>
-                <a:spcPct val="90000"/>
-              </a:lnSpc>
-              <a:spcBef>
-                <a:spcPct val="0"/>
-              </a:spcBef>
-              <a:spcAft>
-                <a:spcPts val="800"/>
-              </a:spcAft>
-              <a:tabLst>
-                <a:tab pos="914400" algn="l"/>
-              </a:tabLst>
-            </a:pPr>
-            <a:r>
-              <a:rPr lang="en-US" sz="2800" kern="1200" dirty="0">
-                <a:solidFill>
-                  <a:schemeClr val="tx1"/>
-                </a:solidFill>
-                <a:effectLst/>
-                <a:latin typeface="+mj-lt"/>
-                <a:ea typeface="+mj-ea"/>
-                <a:cs typeface="+mj-cs"/>
-              </a:rPr>
-              <a:t>5. Is there a relationship between a movie's budget, box office performance, ratings, and how timing influences these dynamics?</a:t>
-            </a:r>
-          </a:p>
-        </p:txBody>
-      </p:sp>
-      <p:sp>
-        <p:nvSpPr>
-          <p:cNvPr id="80" name="Rounded Rectangle 5">
-            <a:extLst>
-              <a:ext uri="{FF2B5EF4-FFF2-40B4-BE49-F238E27FC236}">
-                <a16:creationId xmlns:a16="http://schemas.microsoft.com/office/drawing/2014/main" id="{49237091-E62C-4878-AA4C-0B9995ADB28F}"/>
+            <a:endParaRPr lang="en-US"/>
+          </a:p>
+        </p:txBody>
+      </p:sp>
+      <p:sp>
+        <p:nvSpPr>
+          <p:cNvPr id="11" name="Rectangle 10">
+            <a:extLst>
+              <a:ext uri="{FF2B5EF4-FFF2-40B4-BE49-F238E27FC236}">
+                <a16:creationId xmlns:a16="http://schemas.microsoft.com/office/drawing/2014/main" id="{1855405F-37A2-4869-9154-F8BE3BECE6C3}"/>
               </a:ext>
               <a:ext uri="{C183D7F6-B498-43B3-948B-1728B52AA6E4}">
                 <adec:decorative xmlns:adec="http://schemas.microsoft.com/office/drawing/2017/decorative" val="1"/>
@@ -5953,26 +5981,22 @@
         </p:nvSpPr>
         <p:spPr>
           <a:xfrm>
-            <a:off x="838200" y="1828801"/>
-            <a:ext cx="10515600" cy="4362450"/>
-          </a:xfrm>
-          <a:prstGeom prst="roundRect">
-            <a:avLst>
-              <a:gd name="adj" fmla="val 0"/>
-            </a:avLst>
+            <a:off x="477012" y="480060"/>
+            <a:ext cx="11237976" cy="5897880"/>
+          </a:xfrm>
+          <a:prstGeom prst="rect">
+            <a:avLst/>
           </a:prstGeom>
           <a:solidFill>
             <a:srgbClr val="FFFFFF"/>
           </a:solidFill>
           <a:ln w="9525">
-            <a:solidFill>
-              <a:srgbClr val="C8CACA"/>
-            </a:solidFill>
+            <a:noFill/>
           </a:ln>
           <a:effectLst>
-            <a:outerShdw blurRad="57150" dist="19050" dir="5400000" algn="t" rotWithShape="0">
+            <a:outerShdw blurRad="63500" dist="17780" dir="5400000" algn="t" rotWithShape="0">
               <a:prstClr val="black">
-                <a:alpha val="63000"/>
+                <a:alpha val="43000"/>
               </a:prstClr>
             </a:outerShdw>
           </a:effectLst>
@@ -6004,10 +6028,10 @@
       </p:sp>
       <p:pic>
         <p:nvPicPr>
-          <p:cNvPr id="5" name="Content Placeholder 4" descr="A graph with a red line and numbers&#10;&#10;Description automatically generated">
-            <a:extLst>
-              <a:ext uri="{FF2B5EF4-FFF2-40B4-BE49-F238E27FC236}">
-                <a16:creationId xmlns:a16="http://schemas.microsoft.com/office/drawing/2014/main" id="{A927CAB5-8FF9-7537-7057-6D7B2BBA7136}"/>
+          <p:cNvPr id="4" name="Picture 3" descr="A graph of blue dots&#10;&#10;Description automatically generated">
+            <a:extLst>
+              <a:ext uri="{FF2B5EF4-FFF2-40B4-BE49-F238E27FC236}">
+                <a16:creationId xmlns:a16="http://schemas.microsoft.com/office/drawing/2014/main" id="{E10A1E7E-5C62-B75D-6EEA-2B839DF95206}"/>
               </a:ext>
             </a:extLst>
           </p:cNvPr>
@@ -6024,19 +6048,18 @@
         </p:blipFill>
         <p:spPr>
           <a:xfrm>
-            <a:off x="2468880" y="1828801"/>
-            <a:ext cx="7270750" cy="4362450"/>
+            <a:off x="2381956" y="643467"/>
+            <a:ext cx="7428088" cy="5571066"/>
           </a:xfrm>
           <a:prstGeom prst="rect">
             <a:avLst/>
           </a:prstGeom>
-          <a:effectLst/>
         </p:spPr>
       </p:pic>
     </p:spTree>
     <p:extLst>
       <p:ext uri="{BB962C8B-B14F-4D97-AF65-F5344CB8AC3E}">
-        <p14:creationId xmlns:p14="http://schemas.microsoft.com/office/powerpoint/2010/main" val="1695974641"/>
+        <p14:creationId xmlns:p14="http://schemas.microsoft.com/office/powerpoint/2010/main" val="1667166382"/>
       </p:ext>
     </p:extLst>
   </p:cSld>
@@ -6073,10 +6096,10 @@
       </p:grpSpPr>
       <p:sp>
         <p:nvSpPr>
-          <p:cNvPr id="9" name="Rectangle 8">
-            <a:extLst>
-              <a:ext uri="{FF2B5EF4-FFF2-40B4-BE49-F238E27FC236}">
-                <a16:creationId xmlns:a16="http://schemas.microsoft.com/office/drawing/2014/main" id="{01D0AF59-99C3-4251-AB9A-C966C6AD4400}"/>
+          <p:cNvPr id="78" name="Rectangle 77">
+            <a:extLst>
+              <a:ext uri="{FF2B5EF4-FFF2-40B4-BE49-F238E27FC236}">
+                <a16:creationId xmlns:a16="http://schemas.microsoft.com/office/drawing/2014/main" id="{E8D41CF8-5232-42BC-8D05-AFEDE215398E}"/>
               </a:ext>
               <a:ext uri="{C183D7F6-B498-43B3-948B-1728B52AA6E4}">
                 <adec:decorative xmlns:adec="http://schemas.microsoft.com/office/drawing/2017/decorative" val="1"/>
@@ -6096,14 +6119,17 @@
         </p:nvSpPr>
         <p:spPr>
           <a:xfrm>
-            <a:off x="0" y="0"/>
-            <a:ext cx="12192000" cy="6858000"/>
+            <a:off x="0" y="-11256"/>
+            <a:ext cx="12192000" cy="6869256"/>
           </a:xfrm>
           <a:prstGeom prst="rect">
             <a:avLst/>
           </a:prstGeom>
           <a:solidFill>
-            <a:schemeClr val="bg2"/>
+            <a:schemeClr val="bg1">
+              <a:lumMod val="85000"/>
+              <a:alpha val="70000"/>
+            </a:schemeClr>
           </a:solidFill>
           <a:ln>
             <a:noFill/>
@@ -6130,16 +6156,73 @@
           <a:lstStyle/>
           <a:p>
             <a:pPr algn="ctr"/>
-            <a:endParaRPr lang="en-US"/>
-          </a:p>
-        </p:txBody>
-      </p:sp>
-      <p:sp>
-        <p:nvSpPr>
-          <p:cNvPr id="11" name="Rectangle 10">
-            <a:extLst>
-              <a:ext uri="{FF2B5EF4-FFF2-40B4-BE49-F238E27FC236}">
-                <a16:creationId xmlns:a16="http://schemas.microsoft.com/office/drawing/2014/main" id="{1855405F-37A2-4869-9154-F8BE3BECE6C3}"/>
+            <a:endParaRPr lang="en-US" dirty="0"/>
+          </a:p>
+        </p:txBody>
+      </p:sp>
+      <p:sp>
+        <p:nvSpPr>
+          <p:cNvPr id="2" name="Title 1">
+            <a:extLst>
+              <a:ext uri="{FF2B5EF4-FFF2-40B4-BE49-F238E27FC236}">
+                <a16:creationId xmlns:a16="http://schemas.microsoft.com/office/drawing/2014/main" id="{978C49FB-6CC9-35D7-A9E4-068B64C9F13D}"/>
+              </a:ext>
+            </a:extLst>
+          </p:cNvPr>
+          <p:cNvSpPr>
+            <a:spLocks noGrp="1"/>
+          </p:cNvSpPr>
+          <p:nvPr>
+            <p:ph type="title"/>
+          </p:nvPr>
+        </p:nvSpPr>
+        <p:spPr>
+          <a:xfrm>
+            <a:off x="838200" y="365125"/>
+            <a:ext cx="10515600" cy="1325563"/>
+          </a:xfrm>
+        </p:spPr>
+        <p:txBody>
+          <a:bodyPr vert="horz" lIns="91440" tIns="45720" rIns="91440" bIns="45720" rtlCol="0" anchor="ctr">
+            <a:normAutofit/>
+          </a:bodyPr>
+          <a:lstStyle/>
+          <a:p>
+            <a:pPr marL="457200" lvl="1" algn="l" rtl="0">
+              <a:lnSpc>
+                <a:spcPct val="90000"/>
+              </a:lnSpc>
+              <a:spcBef>
+                <a:spcPct val="0"/>
+              </a:spcBef>
+              <a:spcAft>
+                <a:spcPts val="800"/>
+              </a:spcAft>
+              <a:tabLst>
+                <a:tab pos="914400" algn="l"/>
+              </a:tabLst>
+            </a:pPr>
+            <a:r>
+              <a:rPr lang="en-US" sz="2400" b="1" kern="1200" dirty="0">
+                <a:solidFill>
+                  <a:schemeClr val="tx1"/>
+                </a:solidFill>
+                <a:effectLst/>
+                <a:latin typeface="Arial Black" panose="020B0A04020102020204" pitchFamily="34" charset="0"/>
+                <a:ea typeface="+mj-ea"/>
+                <a:cs typeface="+mj-cs"/>
+              </a:rPr>
+              <a:t>5. Is there a relationship between a movie's budget, box office performance, ratings, and how timing influences these dynamics?</a:t>
+            </a:r>
+          </a:p>
+        </p:txBody>
+      </p:sp>
+      <p:sp>
+        <p:nvSpPr>
+          <p:cNvPr id="80" name="Rounded Rectangle 5">
+            <a:extLst>
+              <a:ext uri="{FF2B5EF4-FFF2-40B4-BE49-F238E27FC236}">
+                <a16:creationId xmlns:a16="http://schemas.microsoft.com/office/drawing/2014/main" id="{49237091-E62C-4878-AA4C-0B9995ADB28F}"/>
               </a:ext>
               <a:ext uri="{C183D7F6-B498-43B3-948B-1728B52AA6E4}">
                 <adec:decorative xmlns:adec="http://schemas.microsoft.com/office/drawing/2017/decorative" val="1"/>
@@ -6159,22 +6242,26 @@
         </p:nvSpPr>
         <p:spPr>
           <a:xfrm>
-            <a:off x="477012" y="480060"/>
-            <a:ext cx="11237976" cy="5897880"/>
-          </a:xfrm>
-          <a:prstGeom prst="rect">
-            <a:avLst/>
+            <a:off x="838200" y="1828801"/>
+            <a:ext cx="10515600" cy="4362450"/>
+          </a:xfrm>
+          <a:prstGeom prst="roundRect">
+            <a:avLst>
+              <a:gd name="adj" fmla="val 0"/>
+            </a:avLst>
           </a:prstGeom>
           <a:solidFill>
             <a:srgbClr val="FFFFFF"/>
           </a:solidFill>
           <a:ln w="9525">
-            <a:noFill/>
+            <a:solidFill>
+              <a:srgbClr val="C8CACA"/>
+            </a:solidFill>
           </a:ln>
           <a:effectLst>
-            <a:outerShdw blurRad="63500" dist="17780" dir="5400000" algn="t" rotWithShape="0">
+            <a:outerShdw blurRad="57150" dist="19050" dir="5400000" algn="t" rotWithShape="0">
               <a:prstClr val="black">
-                <a:alpha val="43000"/>
+                <a:alpha val="63000"/>
               </a:prstClr>
             </a:outerShdw>
           </a:effectLst>
@@ -6206,10 +6293,10 @@
       </p:sp>
       <p:pic>
         <p:nvPicPr>
-          <p:cNvPr id="4" name="Content Placeholder 3" descr="A graph showing a budget and rating score&#10;&#10;Description automatically generated">
-            <a:extLst>
-              <a:ext uri="{FF2B5EF4-FFF2-40B4-BE49-F238E27FC236}">
-                <a16:creationId xmlns:a16="http://schemas.microsoft.com/office/drawing/2014/main" id="{517DDD00-A260-2792-281F-FCFA73C5A566}"/>
+          <p:cNvPr id="5" name="Content Placeholder 4" descr="A graph with a red line and numbers&#10;&#10;Description automatically generated">
+            <a:extLst>
+              <a:ext uri="{FF2B5EF4-FFF2-40B4-BE49-F238E27FC236}">
+                <a16:creationId xmlns:a16="http://schemas.microsoft.com/office/drawing/2014/main" id="{A927CAB5-8FF9-7537-7057-6D7B2BBA7136}"/>
               </a:ext>
             </a:extLst>
           </p:cNvPr>
@@ -6226,18 +6313,19 @@
         </p:blipFill>
         <p:spPr>
           <a:xfrm>
-            <a:off x="1453444" y="643466"/>
-            <a:ext cx="9285112" cy="5571067"/>
+            <a:off x="2468880" y="1828801"/>
+            <a:ext cx="7270750" cy="4362450"/>
           </a:xfrm>
           <a:prstGeom prst="rect">
             <a:avLst/>
           </a:prstGeom>
+          <a:effectLst/>
         </p:spPr>
       </p:pic>
     </p:spTree>
     <p:extLst>
       <p:ext uri="{BB962C8B-B14F-4D97-AF65-F5344CB8AC3E}">
-        <p14:creationId xmlns:p14="http://schemas.microsoft.com/office/powerpoint/2010/main" val="697693011"/>
+        <p14:creationId xmlns:p14="http://schemas.microsoft.com/office/powerpoint/2010/main" val="1695974641"/>
       </p:ext>
     </p:extLst>
   </p:cSld>
@@ -6407,19 +6495,17 @@
       </p:sp>
       <p:pic>
         <p:nvPicPr>
-          <p:cNvPr id="4" name="Content Placeholder 3" descr="A graph with a line graph&#10;&#10;Description automatically generated">
-            <a:extLst>
-              <a:ext uri="{FF2B5EF4-FFF2-40B4-BE49-F238E27FC236}">
-                <a16:creationId xmlns:a16="http://schemas.microsoft.com/office/drawing/2014/main" id="{CFDB416B-1742-3295-8C12-A877F1B5529F}"/>
+          <p:cNvPr id="4" name="Content Placeholder 3" descr="A graph showing a budget and rating score&#10;&#10;Description automatically generated">
+            <a:extLst>
+              <a:ext uri="{FF2B5EF4-FFF2-40B4-BE49-F238E27FC236}">
+                <a16:creationId xmlns:a16="http://schemas.microsoft.com/office/drawing/2014/main" id="{517DDD00-A260-2792-281F-FCFA73C5A566}"/>
               </a:ext>
             </a:extLst>
           </p:cNvPr>
           <p:cNvPicPr>
-            <a:picLocks noGrp="1" noChangeAspect="1"/>
+            <a:picLocks noChangeAspect="1"/>
           </p:cNvPicPr>
-          <p:nvPr>
-            <p:ph idx="1"/>
-          </p:nvPr>
+          <p:nvPr/>
         </p:nvPicPr>
         <p:blipFill>
           <a:blip r:embed="rId2"/>
@@ -6429,8 +6515,8 @@
         </p:blipFill>
         <p:spPr>
           <a:xfrm>
-            <a:off x="1453445" y="643467"/>
-            <a:ext cx="9285110" cy="5571066"/>
+            <a:off x="1453444" y="643466"/>
+            <a:ext cx="9285112" cy="5571067"/>
           </a:xfrm>
           <a:prstGeom prst="rect">
             <a:avLst/>
@@ -6440,7 +6526,7 @@
     </p:spTree>
     <p:extLst>
       <p:ext uri="{BB962C8B-B14F-4D97-AF65-F5344CB8AC3E}">
-        <p14:creationId xmlns:p14="http://schemas.microsoft.com/office/powerpoint/2010/main" val="3431788970"/>
+        <p14:creationId xmlns:p14="http://schemas.microsoft.com/office/powerpoint/2010/main" val="697693011"/>
       </p:ext>
     </p:extLst>
   </p:cSld>
@@ -6615,99 +6701,82 @@
           </a:p>
         </p:txBody>
       </p:sp>
-      <p:pic>
-        <p:nvPicPr>
-          <p:cNvPr id="7" name="Picture 6" descr="A graph with blue lines&#10;&#10;Description automatically generated">
-            <a:extLst>
-              <a:ext uri="{FF2B5EF4-FFF2-40B4-BE49-F238E27FC236}">
-                <a16:creationId xmlns:a16="http://schemas.microsoft.com/office/drawing/2014/main" id="{597A603C-9FDA-EECD-5EFD-AE6F0435A9C6}"/>
-              </a:ext>
-            </a:extLst>
-          </p:cNvPr>
-          <p:cNvPicPr>
-            <a:picLocks noChangeAspect="1"/>
-          </p:cNvPicPr>
+      <p:sp>
+        <p:nvSpPr>
+          <p:cNvPr id="2" name="Title 1">
+            <a:extLst>
+              <a:ext uri="{FF2B5EF4-FFF2-40B4-BE49-F238E27FC236}">
+                <a16:creationId xmlns:a16="http://schemas.microsoft.com/office/drawing/2014/main" id="{3D5770D0-13D2-0ED1-3B5C-123F31CB2661}"/>
+              </a:ext>
+            </a:extLst>
+          </p:cNvPr>
+          <p:cNvSpPr>
+            <a:spLocks noGrp="1"/>
+          </p:cNvSpPr>
+          <p:nvPr>
+            <p:ph type="title"/>
+          </p:nvPr>
+        </p:nvSpPr>
+        <p:spPr>
+          <a:xfrm>
+            <a:off x="838200" y="365125"/>
+            <a:ext cx="10515600" cy="1325563"/>
+          </a:xfrm>
+          <a:prstGeom prst="ellipse">
+            <a:avLst/>
+          </a:prstGeom>
+        </p:spPr>
+        <p:txBody>
+          <a:bodyPr vert="horz" lIns="91440" tIns="45720" rIns="91440" bIns="45720" rtlCol="0" anchor="ctr">
+            <a:normAutofit/>
+          </a:bodyPr>
+          <a:lstStyle/>
+          <a:p>
+            <a:r>
+              <a:rPr lang="en-US" sz="4000" b="1" kern="1200" dirty="0">
+                <a:solidFill>
+                  <a:schemeClr val="tx1"/>
+                </a:solidFill>
+                <a:latin typeface="Arial Black" panose="020B0A04020102020204" pitchFamily="34" charset="0"/>
+              </a:rPr>
+              <a:t>Research Questions</a:t>
+            </a:r>
+          </a:p>
+        </p:txBody>
+      </p:sp>
+      <p:sp>
+        <p:nvSpPr>
+          <p:cNvPr id="9" name="TextBox 8">
+            <a:extLst>
+              <a:ext uri="{FF2B5EF4-FFF2-40B4-BE49-F238E27FC236}">
+                <a16:creationId xmlns:a16="http://schemas.microsoft.com/office/drawing/2014/main" id="{506FDAC3-595D-0563-E701-F30160A08FD1}"/>
+              </a:ext>
+            </a:extLst>
+          </p:cNvPr>
+          <p:cNvSpPr txBox="1"/>
           <p:nvPr/>
-        </p:nvPicPr>
-        <p:blipFill>
-          <a:blip r:embed="rId2"/>
-          <a:stretch>
-            <a:fillRect/>
-          </a:stretch>
-        </p:blipFill>
-        <p:spPr>
-          <a:xfrm>
-            <a:off x="838199" y="2137063"/>
-            <a:ext cx="5492279" cy="3266209"/>
+        </p:nvSpPr>
+        <p:spPr>
+          <a:xfrm>
+            <a:off x="1081548" y="1946787"/>
+            <a:ext cx="5791200" cy="3693319"/>
           </a:xfrm>
           <a:prstGeom prst="rect">
             <a:avLst/>
           </a:prstGeom>
-        </p:spPr>
-      </p:pic>
-      <p:pic>
-        <p:nvPicPr>
-          <p:cNvPr id="5" name="Content Placeholder 4" descr="A graph of a number of years&#10;&#10;Description automatically generated with medium confidence">
-            <a:extLst>
-              <a:ext uri="{FF2B5EF4-FFF2-40B4-BE49-F238E27FC236}">
-                <a16:creationId xmlns:a16="http://schemas.microsoft.com/office/drawing/2014/main" id="{0B8985BF-BF21-C2AD-9731-C19E6B052109}"/>
-              </a:ext>
-            </a:extLst>
-          </p:cNvPr>
-          <p:cNvPicPr>
-            <a:picLocks noChangeAspect="1"/>
-          </p:cNvPicPr>
-          <p:nvPr/>
-        </p:nvPicPr>
-        <p:blipFill>
-          <a:blip r:embed="rId3"/>
-          <a:stretch>
-            <a:fillRect/>
-          </a:stretch>
-        </p:blipFill>
-        <p:spPr>
-          <a:xfrm>
-            <a:off x="5808661" y="2137063"/>
-            <a:ext cx="5492279" cy="3266209"/>
-          </a:xfrm>
-          <a:prstGeom prst="rect">
-            <a:avLst/>
-          </a:prstGeom>
-        </p:spPr>
-      </p:pic>
-      <p:sp>
-        <p:nvSpPr>
-          <p:cNvPr id="2" name="Title 1">
-            <a:extLst>
-              <a:ext uri="{FF2B5EF4-FFF2-40B4-BE49-F238E27FC236}">
-                <a16:creationId xmlns:a16="http://schemas.microsoft.com/office/drawing/2014/main" id="{3D5770D0-13D2-0ED1-3B5C-123F31CB2661}"/>
-              </a:ext>
-            </a:extLst>
-          </p:cNvPr>
-          <p:cNvSpPr>
-            <a:spLocks noGrp="1"/>
-          </p:cNvSpPr>
-          <p:nvPr>
-            <p:ph type="title"/>
-          </p:nvPr>
-        </p:nvSpPr>
-        <p:spPr>
-          <a:xfrm>
-            <a:off x="838200" y="365125"/>
-            <a:ext cx="10515600" cy="1325563"/>
-          </a:xfrm>
-          <a:prstGeom prst="ellipse">
-            <a:avLst/>
-          </a:prstGeom>
-        </p:spPr>
-        <p:txBody>
-          <a:bodyPr vert="horz" lIns="91440" tIns="45720" rIns="91440" bIns="45720" rtlCol="0" anchor="ctr">
-            <a:normAutofit/>
+          <a:noFill/>
+        </p:spPr>
+        <p:txBody>
+          <a:bodyPr wrap="square" rtlCol="0">
+            <a:spAutoFit/>
           </a:bodyPr>
           <a:lstStyle/>
           <a:p>
+            <a:pPr marL="342900" indent="-342900">
+              <a:buAutoNum type="arabicPeriod"/>
+            </a:pPr>
             <a:r>
-              <a:rPr lang="en-US" sz="2100" kern="1200" dirty="0">
+              <a:rPr lang="en-US" sz="1800" b="1" kern="1200" dirty="0">
                 <a:solidFill>
                   <a:schemeClr val="tx1"/>
                 </a:solidFill>
@@ -6716,16 +6785,77 @@
                 <a:ea typeface="+mj-ea"/>
                 <a:cs typeface="+mj-cs"/>
               </a:rPr>
-              <a:t>1. How have movie ratings evolved over the years, and are there discernible trends within different genres or directors? </a:t>
+              <a:t>How have movie ratings evolved over the years, and are there discernible trends within different genres? </a:t>
             </a:r>
-            <a:endParaRPr lang="en-US" sz="2100" kern="1200" dirty="0">
-              <a:solidFill>
-                <a:schemeClr val="tx1"/>
-              </a:solidFill>
-              <a:latin typeface="+mj-lt"/>
-              <a:ea typeface="+mj-ea"/>
-              <a:cs typeface="+mj-cs"/>
-            </a:endParaRPr>
+          </a:p>
+          <a:p>
+            <a:pPr marL="342900" indent="-342900">
+              <a:buAutoNum type="arabicPeriod"/>
+            </a:pPr>
+            <a:r>
+              <a:rPr lang="en-US" sz="1800" b="1" kern="1200" dirty="0">
+                <a:solidFill>
+                  <a:schemeClr val="tx1"/>
+                </a:solidFill>
+                <a:effectLst/>
+                <a:latin typeface="+mj-lt"/>
+                <a:ea typeface="+mj-ea"/>
+                <a:cs typeface="+mj-cs"/>
+              </a:rPr>
+              <a:t>Which movie genres reign supreme in popularity, and is there a correlation between a movie's genre and its commercial success? </a:t>
+            </a:r>
+          </a:p>
+          <a:p>
+            <a:pPr marL="342900" indent="-342900">
+              <a:buAutoNum type="arabicPeriod"/>
+            </a:pPr>
+            <a:r>
+              <a:rPr lang="en-US" sz="1800" b="1" kern="1200" dirty="0">
+                <a:solidFill>
+                  <a:schemeClr val="tx1"/>
+                </a:solidFill>
+                <a:effectLst/>
+                <a:latin typeface="+mj-lt"/>
+                <a:ea typeface="+mj-ea"/>
+                <a:cs typeface="+mj-cs"/>
+              </a:rPr>
+              <a:t>Do certain actors or directors wield a significant influence on a movie's success or ratings?</a:t>
+            </a:r>
+          </a:p>
+          <a:p>
+            <a:pPr marL="342900" indent="-342900">
+              <a:buAutoNum type="arabicPeriod"/>
+            </a:pPr>
+            <a:r>
+              <a:rPr lang="en-US" sz="1800" b="1" kern="1200" dirty="0">
+                <a:solidFill>
+                  <a:schemeClr val="tx1"/>
+                </a:solidFill>
+                <a:effectLst/>
+                <a:latin typeface="+mj-lt"/>
+                <a:ea typeface="+mj-ea"/>
+                <a:cs typeface="+mj-cs"/>
+              </a:rPr>
+              <a:t>How does the duration of a movie impact audience reception and ratings? Are longer or shorter movies more favorably received?</a:t>
+            </a:r>
+          </a:p>
+          <a:p>
+            <a:pPr marL="342900" indent="-342900">
+              <a:buAutoNum type="arabicPeriod"/>
+            </a:pPr>
+            <a:r>
+              <a:rPr lang="en-US" sz="1800" b="1" kern="1200" dirty="0">
+                <a:solidFill>
+                  <a:schemeClr val="tx1"/>
+                </a:solidFill>
+                <a:effectLst/>
+                <a:latin typeface="+mj-lt"/>
+                <a:ea typeface="+mj-ea"/>
+                <a:cs typeface="+mj-cs"/>
+              </a:rPr>
+              <a:t>Is there a relationship between a movie's budget, box office performance, ratings, and how timing influences these dynamics?</a:t>
+            </a:r>
+            <a:endParaRPr lang="en-GB" b="1" dirty="0"/>
           </a:p>
         </p:txBody>
       </p:sp>
@@ -6745,6 +6875,14 @@
 <file path=ppt/slides/slide20.xml><?xml version="1.0" encoding="utf-8"?>
 <p:sld xmlns:a="http://schemas.openxmlformats.org/drawingml/2006/main" xmlns:r="http://schemas.openxmlformats.org/officeDocument/2006/relationships" xmlns:p="http://schemas.openxmlformats.org/presentationml/2006/main">
   <p:cSld>
+    <p:bg>
+      <p:bgPr>
+        <a:solidFill>
+          <a:schemeClr val="bg1"/>
+        </a:solidFill>
+        <a:effectLst/>
+      </p:bgPr>
+    </p:bg>
     <p:spTree>
       <p:nvGrpSpPr>
         <p:cNvPr id="1" name=""/>
@@ -6761,33 +6899,457 @@
       </p:grpSpPr>
       <p:sp>
         <p:nvSpPr>
-          <p:cNvPr id="2" name="Title 1">
-            <a:extLst>
-              <a:ext uri="{FF2B5EF4-FFF2-40B4-BE49-F238E27FC236}">
-                <a16:creationId xmlns:a16="http://schemas.microsoft.com/office/drawing/2014/main" id="{AE4C37F0-73B8-C45C-6547-336676E640A9}"/>
-              </a:ext>
-            </a:extLst>
-          </p:cNvPr>
-          <p:cNvSpPr>
-            <a:spLocks noGrp="1"/>
-          </p:cNvSpPr>
-          <p:nvPr>
-            <p:ph type="title"/>
-          </p:nvPr>
-        </p:nvSpPr>
-        <p:spPr/>
-        <p:txBody>
-          <a:bodyPr/>
-          <a:lstStyle/>
-          <a:p>
-            <a:endParaRPr lang="en-US" dirty="0"/>
-          </a:p>
-        </p:txBody>
-      </p:sp>
+          <p:cNvPr id="9" name="Rectangle 8">
+            <a:extLst>
+              <a:ext uri="{FF2B5EF4-FFF2-40B4-BE49-F238E27FC236}">
+                <a16:creationId xmlns:a16="http://schemas.microsoft.com/office/drawing/2014/main" id="{01D0AF59-99C3-4251-AB9A-C966C6AD4400}"/>
+              </a:ext>
+              <a:ext uri="{C183D7F6-B498-43B3-948B-1728B52AA6E4}">
+                <adec:decorative xmlns:adec="http://schemas.microsoft.com/office/drawing/2017/decorative" val="1"/>
+              </a:ext>
+            </a:extLst>
+          </p:cNvPr>
+          <p:cNvSpPr>
+            <a:spLocks noGrp="1" noRot="1" noChangeAspect="1" noMove="1" noResize="1" noEditPoints="1" noAdjustHandles="1" noChangeArrowheads="1" noChangeShapeType="1" noTextEdit="1"/>
+          </p:cNvSpPr>
+          <p:nvPr>
+            <p:extLst>
+              <p:ext uri="{386F3935-93C4-4BCD-93E2-E3B085C9AB24}">
+                <p16:designElem xmlns:p16="http://schemas.microsoft.com/office/powerpoint/2015/main" val="1"/>
+              </p:ext>
+            </p:extLst>
+          </p:nvPr>
+        </p:nvSpPr>
+        <p:spPr>
+          <a:xfrm>
+            <a:off x="0" y="0"/>
+            <a:ext cx="12192000" cy="6858000"/>
+          </a:xfrm>
+          <a:prstGeom prst="rect">
+            <a:avLst/>
+          </a:prstGeom>
+          <a:solidFill>
+            <a:schemeClr val="bg2"/>
+          </a:solidFill>
+          <a:ln>
+            <a:noFill/>
+          </a:ln>
+        </p:spPr>
+        <p:style>
+          <a:lnRef idx="2">
+            <a:schemeClr val="accent1">
+              <a:shade val="50000"/>
+            </a:schemeClr>
+          </a:lnRef>
+          <a:fillRef idx="1">
+            <a:schemeClr val="accent1"/>
+          </a:fillRef>
+          <a:effectRef idx="0">
+            <a:schemeClr val="accent1"/>
+          </a:effectRef>
+          <a:fontRef idx="minor">
+            <a:schemeClr val="lt1"/>
+          </a:fontRef>
+        </p:style>
+        <p:txBody>
+          <a:bodyPr rtlCol="0" anchor="ctr"/>
+          <a:lstStyle/>
+          <a:p>
+            <a:pPr algn="ctr"/>
+            <a:endParaRPr lang="en-US"/>
+          </a:p>
+        </p:txBody>
+      </p:sp>
+      <p:sp>
+        <p:nvSpPr>
+          <p:cNvPr id="11" name="Rectangle 10">
+            <a:extLst>
+              <a:ext uri="{FF2B5EF4-FFF2-40B4-BE49-F238E27FC236}">
+                <a16:creationId xmlns:a16="http://schemas.microsoft.com/office/drawing/2014/main" id="{1855405F-37A2-4869-9154-F8BE3BECE6C3}"/>
+              </a:ext>
+              <a:ext uri="{C183D7F6-B498-43B3-948B-1728B52AA6E4}">
+                <adec:decorative xmlns:adec="http://schemas.microsoft.com/office/drawing/2017/decorative" val="1"/>
+              </a:ext>
+            </a:extLst>
+          </p:cNvPr>
+          <p:cNvSpPr>
+            <a:spLocks noGrp="1" noRot="1" noChangeAspect="1" noMove="1" noResize="1" noEditPoints="1" noAdjustHandles="1" noChangeArrowheads="1" noChangeShapeType="1" noTextEdit="1"/>
+          </p:cNvSpPr>
+          <p:nvPr>
+            <p:extLst>
+              <p:ext uri="{386F3935-93C4-4BCD-93E2-E3B085C9AB24}">
+                <p16:designElem xmlns:p16="http://schemas.microsoft.com/office/powerpoint/2015/main" val="1"/>
+              </p:ext>
+            </p:extLst>
+          </p:nvPr>
+        </p:nvSpPr>
+        <p:spPr>
+          <a:xfrm>
+            <a:off x="477012" y="480060"/>
+            <a:ext cx="11237976" cy="5897880"/>
+          </a:xfrm>
+          <a:prstGeom prst="rect">
+            <a:avLst/>
+          </a:prstGeom>
+          <a:solidFill>
+            <a:srgbClr val="FFFFFF"/>
+          </a:solidFill>
+          <a:ln w="9525">
+            <a:noFill/>
+          </a:ln>
+          <a:effectLst>
+            <a:outerShdw blurRad="63500" dist="17780" dir="5400000" algn="t" rotWithShape="0">
+              <a:prstClr val="black">
+                <a:alpha val="43000"/>
+              </a:prstClr>
+            </a:outerShdw>
+          </a:effectLst>
+        </p:spPr>
+        <p:style>
+          <a:lnRef idx="2">
+            <a:schemeClr val="accent1">
+              <a:shade val="50000"/>
+            </a:schemeClr>
+          </a:lnRef>
+          <a:fillRef idx="1">
+            <a:schemeClr val="accent1"/>
+          </a:fillRef>
+          <a:effectRef idx="0">
+            <a:schemeClr val="accent1"/>
+          </a:effectRef>
+          <a:fontRef idx="minor">
+            <a:schemeClr val="lt1"/>
+          </a:fontRef>
+        </p:style>
+        <p:txBody>
+          <a:bodyPr rtlCol="0" anchor="ctr"/>
+          <a:lstStyle/>
+          <a:p>
+            <a:pPr algn="ctr"/>
+            <a:endParaRPr lang="en-US"/>
+          </a:p>
+        </p:txBody>
+      </p:sp>
+      <p:pic>
+        <p:nvPicPr>
+          <p:cNvPr id="4" name="Content Placeholder 3" descr="A graph with a line graph&#10;&#10;Description automatically generated">
+            <a:extLst>
+              <a:ext uri="{FF2B5EF4-FFF2-40B4-BE49-F238E27FC236}">
+                <a16:creationId xmlns:a16="http://schemas.microsoft.com/office/drawing/2014/main" id="{CFDB416B-1742-3295-8C12-A877F1B5529F}"/>
+              </a:ext>
+            </a:extLst>
+          </p:cNvPr>
+          <p:cNvPicPr>
+            <a:picLocks noGrp="1" noChangeAspect="1"/>
+          </p:cNvPicPr>
+          <p:nvPr>
+            <p:ph idx="1"/>
+          </p:nvPr>
+        </p:nvPicPr>
+        <p:blipFill>
+          <a:blip r:embed="rId2"/>
+          <a:stretch>
+            <a:fillRect/>
+          </a:stretch>
+        </p:blipFill>
+        <p:spPr>
+          <a:xfrm>
+            <a:off x="1453445" y="643467"/>
+            <a:ext cx="9285110" cy="5571066"/>
+          </a:xfrm>
+          <a:prstGeom prst="rect">
+            <a:avLst/>
+          </a:prstGeom>
+        </p:spPr>
+      </p:pic>
     </p:spTree>
     <p:extLst>
       <p:ext uri="{BB962C8B-B14F-4D97-AF65-F5344CB8AC3E}">
-        <p14:creationId xmlns:p14="http://schemas.microsoft.com/office/powerpoint/2010/main" val="3447095570"/>
+        <p14:creationId xmlns:p14="http://schemas.microsoft.com/office/powerpoint/2010/main" val="3431788970"/>
+      </p:ext>
+    </p:extLst>
+  </p:cSld>
+  <p:clrMapOvr>
+    <a:masterClrMapping/>
+  </p:clrMapOvr>
+</p:sld>
+</file>
+
+<file path=ppt/slides/slide21.xml><?xml version="1.0" encoding="utf-8"?>
+<p:sld xmlns:a="http://schemas.openxmlformats.org/drawingml/2006/main" xmlns:r="http://schemas.openxmlformats.org/officeDocument/2006/relationships" xmlns:p="http://schemas.openxmlformats.org/presentationml/2006/main">
+  <p:cSld>
+    <p:bg>
+      <p:bgPr>
+        <a:solidFill>
+          <a:schemeClr val="bg1"/>
+        </a:solidFill>
+        <a:effectLst/>
+      </p:bgPr>
+    </p:bg>
+    <p:spTree>
+      <p:nvGrpSpPr>
+        <p:cNvPr id="1" name=""/>
+        <p:cNvGrpSpPr/>
+        <p:nvPr/>
+      </p:nvGrpSpPr>
+      <p:grpSpPr>
+        <a:xfrm>
+          <a:off x="0" y="0"/>
+          <a:ext cx="0" cy="0"/>
+          <a:chOff x="0" y="0"/>
+          <a:chExt cx="0" cy="0"/>
+        </a:xfrm>
+      </p:grpSpPr>
+      <p:sp>
+        <p:nvSpPr>
+          <p:cNvPr id="9" name="Rectangle 8">
+            <a:extLst>
+              <a:ext uri="{FF2B5EF4-FFF2-40B4-BE49-F238E27FC236}">
+                <a16:creationId xmlns:a16="http://schemas.microsoft.com/office/drawing/2014/main" id="{01D0AF59-99C3-4251-AB9A-C966C6AD4400}"/>
+              </a:ext>
+              <a:ext uri="{C183D7F6-B498-43B3-948B-1728B52AA6E4}">
+                <adec:decorative xmlns:adec="http://schemas.microsoft.com/office/drawing/2017/decorative" val="1"/>
+              </a:ext>
+            </a:extLst>
+          </p:cNvPr>
+          <p:cNvSpPr>
+            <a:spLocks noGrp="1" noRot="1" noChangeAspect="1" noMove="1" noResize="1" noEditPoints="1" noAdjustHandles="1" noChangeArrowheads="1" noChangeShapeType="1" noTextEdit="1"/>
+          </p:cNvSpPr>
+          <p:nvPr>
+            <p:extLst>
+              <p:ext uri="{386F3935-93C4-4BCD-93E2-E3B085C9AB24}">
+                <p16:designElem xmlns:p16="http://schemas.microsoft.com/office/powerpoint/2015/main" val="1"/>
+              </p:ext>
+            </p:extLst>
+          </p:nvPr>
+        </p:nvSpPr>
+        <p:spPr>
+          <a:xfrm>
+            <a:off x="0" y="0"/>
+            <a:ext cx="12192000" cy="6858000"/>
+          </a:xfrm>
+          <a:prstGeom prst="rect">
+            <a:avLst/>
+          </a:prstGeom>
+          <a:solidFill>
+            <a:schemeClr val="bg2"/>
+          </a:solidFill>
+          <a:ln>
+            <a:noFill/>
+          </a:ln>
+        </p:spPr>
+        <p:style>
+          <a:lnRef idx="2">
+            <a:schemeClr val="accent1">
+              <a:shade val="50000"/>
+            </a:schemeClr>
+          </a:lnRef>
+          <a:fillRef idx="1">
+            <a:schemeClr val="accent1"/>
+          </a:fillRef>
+          <a:effectRef idx="0">
+            <a:schemeClr val="accent1"/>
+          </a:effectRef>
+          <a:fontRef idx="minor">
+            <a:schemeClr val="lt1"/>
+          </a:fontRef>
+        </p:style>
+        <p:txBody>
+          <a:bodyPr rtlCol="0" anchor="ctr"/>
+          <a:lstStyle/>
+          <a:p>
+            <a:pPr algn="ctr"/>
+            <a:endParaRPr lang="en-US"/>
+          </a:p>
+        </p:txBody>
+      </p:sp>
+      <p:sp>
+        <p:nvSpPr>
+          <p:cNvPr id="11" name="Rectangle 10">
+            <a:extLst>
+              <a:ext uri="{FF2B5EF4-FFF2-40B4-BE49-F238E27FC236}">
+                <a16:creationId xmlns:a16="http://schemas.microsoft.com/office/drawing/2014/main" id="{1855405F-37A2-4869-9154-F8BE3BECE6C3}"/>
+              </a:ext>
+              <a:ext uri="{C183D7F6-B498-43B3-948B-1728B52AA6E4}">
+                <adec:decorative xmlns:adec="http://schemas.microsoft.com/office/drawing/2017/decorative" val="1"/>
+              </a:ext>
+            </a:extLst>
+          </p:cNvPr>
+          <p:cNvSpPr>
+            <a:spLocks noGrp="1" noRot="1" noChangeAspect="1" noMove="1" noResize="1" noEditPoints="1" noAdjustHandles="1" noChangeArrowheads="1" noChangeShapeType="1" noTextEdit="1"/>
+          </p:cNvSpPr>
+          <p:nvPr>
+            <p:extLst>
+              <p:ext uri="{386F3935-93C4-4BCD-93E2-E3B085C9AB24}">
+                <p16:designElem xmlns:p16="http://schemas.microsoft.com/office/powerpoint/2015/main" val="1"/>
+              </p:ext>
+            </p:extLst>
+          </p:nvPr>
+        </p:nvSpPr>
+        <p:spPr>
+          <a:xfrm>
+            <a:off x="477012" y="480060"/>
+            <a:ext cx="11237976" cy="5897880"/>
+          </a:xfrm>
+          <a:prstGeom prst="rect">
+            <a:avLst/>
+          </a:prstGeom>
+          <a:solidFill>
+            <a:srgbClr val="FFFFFF"/>
+          </a:solidFill>
+          <a:ln w="9525">
+            <a:noFill/>
+          </a:ln>
+          <a:effectLst>
+            <a:outerShdw blurRad="63500" dist="17780" dir="5400000" algn="t" rotWithShape="0">
+              <a:prstClr val="black">
+                <a:alpha val="43000"/>
+              </a:prstClr>
+            </a:outerShdw>
+          </a:effectLst>
+        </p:spPr>
+        <p:style>
+          <a:lnRef idx="2">
+            <a:schemeClr val="accent1">
+              <a:shade val="50000"/>
+            </a:schemeClr>
+          </a:lnRef>
+          <a:fillRef idx="1">
+            <a:schemeClr val="accent1"/>
+          </a:fillRef>
+          <a:effectRef idx="0">
+            <a:schemeClr val="accent1"/>
+          </a:effectRef>
+          <a:fontRef idx="minor">
+            <a:schemeClr val="lt1"/>
+          </a:fontRef>
+        </p:style>
+        <p:txBody>
+          <a:bodyPr rtlCol="0" anchor="ctr"/>
+          <a:lstStyle/>
+          <a:p>
+            <a:pPr algn="ctr"/>
+            <a:endParaRPr lang="en-US"/>
+          </a:p>
+        </p:txBody>
+      </p:sp>
+      <p:sp>
+        <p:nvSpPr>
+          <p:cNvPr id="3" name="Content Placeholder 2">
+            <a:extLst>
+              <a:ext uri="{FF2B5EF4-FFF2-40B4-BE49-F238E27FC236}">
+                <a16:creationId xmlns:a16="http://schemas.microsoft.com/office/drawing/2014/main" id="{68FEF93E-A433-B219-1409-6B2633576B09}"/>
+              </a:ext>
+            </a:extLst>
+          </p:cNvPr>
+          <p:cNvSpPr>
+            <a:spLocks noGrp="1"/>
+          </p:cNvSpPr>
+          <p:nvPr>
+            <p:ph idx="1"/>
+          </p:nvPr>
+        </p:nvSpPr>
+        <p:spPr>
+          <a:xfrm>
+            <a:off x="1949246" y="1553496"/>
+            <a:ext cx="7814187" cy="5191432"/>
+          </a:xfrm>
+        </p:spPr>
+        <p:txBody>
+          <a:bodyPr>
+            <a:normAutofit/>
+          </a:bodyPr>
+          <a:lstStyle/>
+          <a:p>
+            <a:r>
+              <a:rPr lang="en-GB" sz="1800" b="0" i="0" dirty="0">
+                <a:effectLst/>
+                <a:latin typeface="+mj-lt"/>
+              </a:rPr>
+              <a:t>In summary, stakeholders in the film industry can benefit from these insights by adopting strategic approaches to release, marketing, talent investment, budgeting, and adaptation. </a:t>
+            </a:r>
+          </a:p>
+          <a:p>
+            <a:r>
+              <a:rPr lang="en-GB" sz="1800" b="0" i="0" dirty="0">
+                <a:effectLst/>
+                <a:latin typeface="+mj-lt"/>
+              </a:rPr>
+              <a:t>These measures aim to navigate the dynamic landscape, contribute to impactful cinematic experiences, and establish a lasting influence in the competitive film production environment.</a:t>
+            </a:r>
+          </a:p>
+          <a:p>
+            <a:r>
+              <a:rPr lang="en-GB" sz="1800" b="0" i="0" dirty="0">
+                <a:effectLst/>
+                <a:latin typeface="+mj-lt"/>
+              </a:rPr>
+              <a:t>While a moderate correlation exists with some of the variables, it’s essential to consider other factors when making decisions related to film production, investment, or marketing strategies. </a:t>
+            </a:r>
+          </a:p>
+          <a:p>
+            <a:r>
+              <a:rPr lang="en-GB" sz="1800" b="0" i="0" dirty="0">
+                <a:effectLst/>
+                <a:latin typeface="+mj-lt"/>
+              </a:rPr>
+              <a:t>It’s important to note that correlation doesn’t imply causation. </a:t>
+            </a:r>
+          </a:p>
+          <a:p>
+            <a:r>
+              <a:rPr lang="en-GB" sz="1800" b="0" i="0" dirty="0">
+                <a:effectLst/>
+                <a:latin typeface="+mj-lt"/>
+              </a:rPr>
+              <a:t>Other factors, such as marketing strategies, script quality, competition, etc., also play crucial roles in a movie’s success at the box office.</a:t>
+            </a:r>
+            <a:endParaRPr lang="en-GB" sz="1800" dirty="0">
+              <a:latin typeface="+mj-lt"/>
+            </a:endParaRPr>
+          </a:p>
+        </p:txBody>
+      </p:sp>
+      <p:sp>
+        <p:nvSpPr>
+          <p:cNvPr id="6" name="TextBox 5">
+            <a:extLst>
+              <a:ext uri="{FF2B5EF4-FFF2-40B4-BE49-F238E27FC236}">
+                <a16:creationId xmlns:a16="http://schemas.microsoft.com/office/drawing/2014/main" id="{353F4632-5853-A5B3-486E-FAEC706A4DD1}"/>
+              </a:ext>
+            </a:extLst>
+          </p:cNvPr>
+          <p:cNvSpPr txBox="1"/>
+          <p:nvPr/>
+        </p:nvSpPr>
+        <p:spPr>
+          <a:xfrm>
+            <a:off x="1750142" y="639097"/>
+            <a:ext cx="8347587" cy="369332"/>
+          </a:xfrm>
+          <a:prstGeom prst="rect">
+            <a:avLst/>
+          </a:prstGeom>
+          <a:noFill/>
+        </p:spPr>
+        <p:txBody>
+          <a:bodyPr wrap="square" rtlCol="0">
+            <a:spAutoFit/>
+          </a:bodyPr>
+          <a:lstStyle/>
+          <a:p>
+            <a:pPr algn="ctr"/>
+            <a:r>
+              <a:rPr lang="en-GB" dirty="0"/>
+              <a:t>Summary</a:t>
+            </a:r>
+          </a:p>
+        </p:txBody>
+      </p:sp>
+    </p:spTree>
+    <p:extLst>
+      <p:ext uri="{BB962C8B-B14F-4D97-AF65-F5344CB8AC3E}">
+        <p14:creationId xmlns:p14="http://schemas.microsoft.com/office/powerpoint/2010/main" val="3617472728"/>
       </p:ext>
     </p:extLst>
   </p:cSld>
@@ -6824,10 +7386,10 @@
       </p:grpSpPr>
       <p:sp>
         <p:nvSpPr>
-          <p:cNvPr id="10" name="Rectangle 9">
-            <a:extLst>
-              <a:ext uri="{FF2B5EF4-FFF2-40B4-BE49-F238E27FC236}">
-                <a16:creationId xmlns:a16="http://schemas.microsoft.com/office/drawing/2014/main" id="{01D0AF59-99C3-4251-AB9A-C966C6AD4400}"/>
+          <p:cNvPr id="25" name="Rectangle 24">
+            <a:extLst>
+              <a:ext uri="{FF2B5EF4-FFF2-40B4-BE49-F238E27FC236}">
+                <a16:creationId xmlns:a16="http://schemas.microsoft.com/office/drawing/2014/main" id="{E8D41CF8-5232-42BC-8D05-AFEDE215398E}"/>
               </a:ext>
               <a:ext uri="{C183D7F6-B498-43B3-948B-1728B52AA6E4}">
                 <adec:decorative xmlns:adec="http://schemas.microsoft.com/office/drawing/2017/decorative" val="1"/>
@@ -6847,14 +7409,17 @@
         </p:nvSpPr>
         <p:spPr>
           <a:xfrm>
-            <a:off x="0" y="0"/>
-            <a:ext cx="12192000" cy="6858000"/>
+            <a:off x="0" y="-11256"/>
+            <a:ext cx="12192000" cy="6869256"/>
           </a:xfrm>
           <a:prstGeom prst="rect">
             <a:avLst/>
           </a:prstGeom>
           <a:solidFill>
-            <a:schemeClr val="bg2"/>
+            <a:schemeClr val="bg1">
+              <a:lumMod val="85000"/>
+              <a:alpha val="70000"/>
+            </a:schemeClr>
           </a:solidFill>
           <a:ln>
             <a:noFill/>
@@ -6881,16 +7446,16 @@
           <a:lstStyle/>
           <a:p>
             <a:pPr algn="ctr"/>
-            <a:endParaRPr lang="en-US"/>
-          </a:p>
-        </p:txBody>
-      </p:sp>
-      <p:sp>
-        <p:nvSpPr>
-          <p:cNvPr id="12" name="Rectangle 11">
-            <a:extLst>
-              <a:ext uri="{FF2B5EF4-FFF2-40B4-BE49-F238E27FC236}">
-                <a16:creationId xmlns:a16="http://schemas.microsoft.com/office/drawing/2014/main" id="{1855405F-37A2-4869-9154-F8BE3BECE6C3}"/>
+            <a:endParaRPr lang="en-US" dirty="0"/>
+          </a:p>
+        </p:txBody>
+      </p:sp>
+      <p:sp>
+        <p:nvSpPr>
+          <p:cNvPr id="27" name="Rounded Rectangle 5">
+            <a:extLst>
+              <a:ext uri="{FF2B5EF4-FFF2-40B4-BE49-F238E27FC236}">
+                <a16:creationId xmlns:a16="http://schemas.microsoft.com/office/drawing/2014/main" id="{49237091-E62C-4878-AA4C-0B9995ADB28F}"/>
               </a:ext>
               <a:ext uri="{C183D7F6-B498-43B3-948B-1728B52AA6E4}">
                 <adec:decorative xmlns:adec="http://schemas.microsoft.com/office/drawing/2017/decorative" val="1"/>
@@ -6910,22 +7475,26 @@
         </p:nvSpPr>
         <p:spPr>
           <a:xfrm>
-            <a:off x="477012" y="480060"/>
-            <a:ext cx="11237976" cy="5897880"/>
-          </a:xfrm>
-          <a:prstGeom prst="rect">
-            <a:avLst/>
+            <a:off x="838200" y="1828801"/>
+            <a:ext cx="10515600" cy="4362450"/>
+          </a:xfrm>
+          <a:prstGeom prst="roundRect">
+            <a:avLst>
+              <a:gd name="adj" fmla="val 0"/>
+            </a:avLst>
           </a:prstGeom>
           <a:solidFill>
             <a:srgbClr val="FFFFFF"/>
           </a:solidFill>
           <a:ln w="9525">
-            <a:noFill/>
+            <a:solidFill>
+              <a:srgbClr val="C8CACA"/>
+            </a:solidFill>
           </a:ln>
           <a:effectLst>
-            <a:outerShdw blurRad="63500" dist="17780" dir="5400000" algn="t" rotWithShape="0">
+            <a:outerShdw blurRad="57150" dist="19050" dir="5400000" algn="t" rotWithShape="0">
               <a:prstClr val="black">
-                <a:alpha val="43000"/>
+                <a:alpha val="63000"/>
               </a:prstClr>
             </a:outerShdw>
           </a:effectLst>
@@ -6955,21 +7524,69 @@
           </a:p>
         </p:txBody>
       </p:sp>
+      <p:sp>
+        <p:nvSpPr>
+          <p:cNvPr id="2" name="Title 1">
+            <a:extLst>
+              <a:ext uri="{FF2B5EF4-FFF2-40B4-BE49-F238E27FC236}">
+                <a16:creationId xmlns:a16="http://schemas.microsoft.com/office/drawing/2014/main" id="{3D5770D0-13D2-0ED1-3B5C-123F31CB2661}"/>
+              </a:ext>
+            </a:extLst>
+          </p:cNvPr>
+          <p:cNvSpPr>
+            <a:spLocks noGrp="1"/>
+          </p:cNvSpPr>
+          <p:nvPr>
+            <p:ph type="title"/>
+          </p:nvPr>
+        </p:nvSpPr>
+        <p:spPr>
+          <a:xfrm>
+            <a:off x="265471" y="365125"/>
+            <a:ext cx="11088329" cy="1325563"/>
+          </a:xfrm>
+          <a:prstGeom prst="ellipse">
+            <a:avLst/>
+          </a:prstGeom>
+        </p:spPr>
+        <p:txBody>
+          <a:bodyPr vert="horz" lIns="91440" tIns="45720" rIns="91440" bIns="45720" rtlCol="0" anchor="ctr">
+            <a:noAutofit/>
+          </a:bodyPr>
+          <a:lstStyle/>
+          <a:p>
+            <a:r>
+              <a:rPr lang="en-US" sz="2400" b="1" kern="1200" dirty="0">
+                <a:solidFill>
+                  <a:schemeClr val="tx1"/>
+                </a:solidFill>
+                <a:effectLst/>
+                <a:latin typeface="Arial Black" panose="020B0A04020102020204" pitchFamily="34" charset="0"/>
+              </a:rPr>
+              <a:t>1. How have movie ratings evolved over the years, and are there discernible trends within different genres? </a:t>
+            </a:r>
+            <a:endParaRPr lang="en-US" sz="2400" b="1" kern="1200" dirty="0">
+              <a:solidFill>
+                <a:schemeClr val="tx1"/>
+              </a:solidFill>
+              <a:latin typeface="Arial Black" panose="020B0A04020102020204" pitchFamily="34" charset="0"/>
+            </a:endParaRPr>
+          </a:p>
+        </p:txBody>
+      </p:sp>
       <p:pic>
         <p:nvPicPr>
-          <p:cNvPr id="5" name="Content Placeholder 4" descr="A graph of different colored lines&#10;&#10;Description automatically generated">
-            <a:extLst>
-              <a:ext uri="{FF2B5EF4-FFF2-40B4-BE49-F238E27FC236}">
-                <a16:creationId xmlns:a16="http://schemas.microsoft.com/office/drawing/2014/main" id="{17FD5934-D203-34C4-E389-9284A02361A9}"/>
+          <p:cNvPr id="4" name="Picture 3" descr="A graph of a number of metacrastals&#10;&#10;Description automatically generated with medium confidence">
+            <a:extLst>
+              <a:ext uri="{FF2B5EF4-FFF2-40B4-BE49-F238E27FC236}">
+                <a16:creationId xmlns:a16="http://schemas.microsoft.com/office/drawing/2014/main" id="{2A216387-8D34-A523-4E93-4FCAA7BC22CC}"/>
               </a:ext>
             </a:extLst>
           </p:cNvPr>
           <p:cNvPicPr>
-            <a:picLocks noGrp="1" noChangeAspect="1"/>
+            <a:picLocks noChangeAspect="1"/>
           </p:cNvPicPr>
-          <p:nvPr>
-            <p:ph idx="1"/>
-          </p:nvPr>
+          <p:nvPr/>
         </p:nvPicPr>
         <p:blipFill>
           <a:blip r:embed="rId2"/>
@@ -6979,8 +7596,38 @@
         </p:blipFill>
         <p:spPr>
           <a:xfrm>
-            <a:off x="1922917" y="643467"/>
-            <a:ext cx="8346165" cy="5571066"/>
+            <a:off x="838200" y="2221353"/>
+            <a:ext cx="5522246" cy="3313348"/>
+          </a:xfrm>
+          <a:prstGeom prst="rect">
+            <a:avLst/>
+          </a:prstGeom>
+        </p:spPr>
+      </p:pic>
+      <p:pic>
+        <p:nvPicPr>
+          <p:cNvPr id="8" name="Picture 7" descr="A graph with numbers and lines&#10;&#10;Description automatically generated">
+            <a:extLst>
+              <a:ext uri="{FF2B5EF4-FFF2-40B4-BE49-F238E27FC236}">
+                <a16:creationId xmlns:a16="http://schemas.microsoft.com/office/drawing/2014/main" id="{EB834202-565F-2C27-8C00-B8180820AEF2}"/>
+              </a:ext>
+            </a:extLst>
+          </p:cNvPr>
+          <p:cNvPicPr>
+            <a:picLocks noChangeAspect="1"/>
+          </p:cNvPicPr>
+          <p:nvPr/>
+        </p:nvPicPr>
+        <p:blipFill>
+          <a:blip r:embed="rId3"/>
+          <a:stretch>
+            <a:fillRect/>
+          </a:stretch>
+        </p:blipFill>
+        <p:spPr>
+          <a:xfrm>
+            <a:off x="5968181" y="2351380"/>
+            <a:ext cx="5385619" cy="3313348"/>
           </a:xfrm>
           <a:prstGeom prst="rect">
             <a:avLst/>
@@ -6990,7 +7637,7 @@
     </p:spTree>
     <p:extLst>
       <p:ext uri="{BB962C8B-B14F-4D97-AF65-F5344CB8AC3E}">
-        <p14:creationId xmlns:p14="http://schemas.microsoft.com/office/powerpoint/2010/main" val="1847693288"/>
+        <p14:creationId xmlns:p14="http://schemas.microsoft.com/office/powerpoint/2010/main" val="3232283536"/>
       </p:ext>
     </p:extLst>
   </p:cSld>
@@ -7027,10 +7674,10 @@
       </p:grpSpPr>
       <p:sp>
         <p:nvSpPr>
-          <p:cNvPr id="31" name="Rectangle 30">
-            <a:extLst>
-              <a:ext uri="{FF2B5EF4-FFF2-40B4-BE49-F238E27FC236}">
-                <a16:creationId xmlns:a16="http://schemas.microsoft.com/office/drawing/2014/main" id="{E8D41CF8-5232-42BC-8D05-AFEDE215398E}"/>
+          <p:cNvPr id="10" name="Rectangle 9">
+            <a:extLst>
+              <a:ext uri="{FF2B5EF4-FFF2-40B4-BE49-F238E27FC236}">
+                <a16:creationId xmlns:a16="http://schemas.microsoft.com/office/drawing/2014/main" id="{01D0AF59-99C3-4251-AB9A-C966C6AD4400}"/>
               </a:ext>
               <a:ext uri="{C183D7F6-B498-43B3-948B-1728B52AA6E4}">
                 <adec:decorative xmlns:adec="http://schemas.microsoft.com/office/drawing/2017/decorative" val="1"/>
@@ -7050,17 +7697,14 @@
         </p:nvSpPr>
         <p:spPr>
           <a:xfrm>
-            <a:off x="0" y="-11256"/>
-            <a:ext cx="12192000" cy="6869256"/>
+            <a:off x="0" y="0"/>
+            <a:ext cx="12192000" cy="6858000"/>
           </a:xfrm>
           <a:prstGeom prst="rect">
             <a:avLst/>
           </a:prstGeom>
           <a:solidFill>
-            <a:schemeClr val="bg1">
-              <a:lumMod val="85000"/>
-              <a:alpha val="70000"/>
-            </a:schemeClr>
+            <a:schemeClr val="bg2"/>
           </a:solidFill>
           <a:ln>
             <a:noFill/>
@@ -7087,16 +7731,16 @@
           <a:lstStyle/>
           <a:p>
             <a:pPr algn="ctr"/>
-            <a:endParaRPr lang="en-US" dirty="0"/>
-          </a:p>
-        </p:txBody>
-      </p:sp>
-      <p:sp>
-        <p:nvSpPr>
-          <p:cNvPr id="33" name="Rounded Rectangle 5">
-            <a:extLst>
-              <a:ext uri="{FF2B5EF4-FFF2-40B4-BE49-F238E27FC236}">
-                <a16:creationId xmlns:a16="http://schemas.microsoft.com/office/drawing/2014/main" id="{49237091-E62C-4878-AA4C-0B9995ADB28F}"/>
+            <a:endParaRPr lang="en-US"/>
+          </a:p>
+        </p:txBody>
+      </p:sp>
+      <p:sp>
+        <p:nvSpPr>
+          <p:cNvPr id="12" name="Rectangle 11">
+            <a:extLst>
+              <a:ext uri="{FF2B5EF4-FFF2-40B4-BE49-F238E27FC236}">
+                <a16:creationId xmlns:a16="http://schemas.microsoft.com/office/drawing/2014/main" id="{1855405F-37A2-4869-9154-F8BE3BECE6C3}"/>
               </a:ext>
               <a:ext uri="{C183D7F6-B498-43B3-948B-1728B52AA6E4}">
                 <adec:decorative xmlns:adec="http://schemas.microsoft.com/office/drawing/2017/decorative" val="1"/>
@@ -7116,26 +7760,22 @@
         </p:nvSpPr>
         <p:spPr>
           <a:xfrm>
-            <a:off x="838200" y="1828801"/>
-            <a:ext cx="10515600" cy="4362450"/>
-          </a:xfrm>
-          <a:prstGeom prst="roundRect">
-            <a:avLst>
-              <a:gd name="adj" fmla="val 0"/>
-            </a:avLst>
+            <a:off x="477012" y="480060"/>
+            <a:ext cx="11237976" cy="5897880"/>
+          </a:xfrm>
+          <a:prstGeom prst="rect">
+            <a:avLst/>
           </a:prstGeom>
           <a:solidFill>
             <a:srgbClr val="FFFFFF"/>
           </a:solidFill>
           <a:ln w="9525">
-            <a:solidFill>
-              <a:srgbClr val="C8CACA"/>
-            </a:solidFill>
+            <a:noFill/>
           </a:ln>
           <a:effectLst>
-            <a:outerShdw blurRad="57150" dist="19050" dir="5400000" algn="t" rotWithShape="0">
+            <a:outerShdw blurRad="63500" dist="17780" dir="5400000" algn="t" rotWithShape="0">
               <a:prstClr val="black">
-                <a:alpha val="63000"/>
+                <a:alpha val="43000"/>
               </a:prstClr>
             </a:outerShdw>
           </a:effectLst>
@@ -7167,17 +7807,19 @@
       </p:sp>
       <p:pic>
         <p:nvPicPr>
-          <p:cNvPr id="19" name="Picture 18" descr="A graph of blue and white bars&#10;&#10;Description automatically generated">
-            <a:extLst>
-              <a:ext uri="{FF2B5EF4-FFF2-40B4-BE49-F238E27FC236}">
-                <a16:creationId xmlns:a16="http://schemas.microsoft.com/office/drawing/2014/main" id="{54889FDA-84A2-F7D8-75B4-2C59AC1DB716}"/>
+          <p:cNvPr id="5" name="Content Placeholder 4" descr="A graph of different colored lines&#10;&#10;Description automatically generated">
+            <a:extLst>
+              <a:ext uri="{FF2B5EF4-FFF2-40B4-BE49-F238E27FC236}">
+                <a16:creationId xmlns:a16="http://schemas.microsoft.com/office/drawing/2014/main" id="{17FD5934-D203-34C4-E389-9284A02361A9}"/>
               </a:ext>
             </a:extLst>
           </p:cNvPr>
           <p:cNvPicPr>
-            <a:picLocks noChangeAspect="1"/>
+            <a:picLocks noGrp="1" noChangeAspect="1"/>
           </p:cNvPicPr>
-          <p:nvPr/>
+          <p:nvPr>
+            <p:ph idx="1"/>
+          </p:nvPr>
         </p:nvPicPr>
         <p:blipFill>
           <a:blip r:embed="rId2"/>
@@ -7187,102 +7829,18 @@
         </p:blipFill>
         <p:spPr>
           <a:xfrm>
-            <a:off x="1157288" y="2178050"/>
-            <a:ext cx="4903788" cy="3659188"/>
+            <a:off x="477012" y="644682"/>
+            <a:ext cx="8342523" cy="5568635"/>
           </a:xfrm>
           <a:prstGeom prst="rect">
             <a:avLst/>
           </a:prstGeom>
         </p:spPr>
       </p:pic>
-      <p:pic>
-        <p:nvPicPr>
-          <p:cNvPr id="18" name="Content Placeholder 4" descr="A bar graph with blue and green bars&#10;&#10;Description automatically generated">
-            <a:extLst>
-              <a:ext uri="{FF2B5EF4-FFF2-40B4-BE49-F238E27FC236}">
-                <a16:creationId xmlns:a16="http://schemas.microsoft.com/office/drawing/2014/main" id="{F5B62567-DA73-F52A-3264-C3DD120FC739}"/>
-              </a:ext>
-            </a:extLst>
-          </p:cNvPr>
-          <p:cNvPicPr>
-            <a:picLocks noChangeAspect="1"/>
-          </p:cNvPicPr>
-          <p:nvPr/>
-        </p:nvPicPr>
-        <p:blipFill>
-          <a:blip r:embed="rId3"/>
-          <a:stretch>
-            <a:fillRect/>
-          </a:stretch>
-        </p:blipFill>
-        <p:spPr>
-          <a:xfrm>
-            <a:off x="6127750" y="2178050"/>
-            <a:ext cx="4903788" cy="3659188"/>
-          </a:xfrm>
-          <a:prstGeom prst="rect">
-            <a:avLst/>
-          </a:prstGeom>
-        </p:spPr>
-      </p:pic>
-      <p:sp>
-        <p:nvSpPr>
-          <p:cNvPr id="2" name="Title 1">
-            <a:extLst>
-              <a:ext uri="{FF2B5EF4-FFF2-40B4-BE49-F238E27FC236}">
-                <a16:creationId xmlns:a16="http://schemas.microsoft.com/office/drawing/2014/main" id="{739A0DF5-B210-496F-6028-862943DD0281}"/>
-              </a:ext>
-            </a:extLst>
-          </p:cNvPr>
-          <p:cNvSpPr>
-            <a:spLocks noGrp="1"/>
-          </p:cNvSpPr>
-          <p:nvPr>
-            <p:ph type="title"/>
-          </p:nvPr>
-        </p:nvSpPr>
-        <p:spPr>
-          <a:xfrm>
-            <a:off x="838200" y="365125"/>
-            <a:ext cx="10515600" cy="1325563"/>
-          </a:xfrm>
-          <a:prstGeom prst="ellipse">
-            <a:avLst/>
-          </a:prstGeom>
-        </p:spPr>
-        <p:txBody>
-          <a:bodyPr vert="horz" lIns="91440" tIns="45720" rIns="91440" bIns="45720" rtlCol="0" anchor="ctr">
-            <a:normAutofit/>
-          </a:bodyPr>
-          <a:lstStyle/>
-          <a:p>
-            <a:r>
-              <a:rPr lang="en-US" sz="2100" kern="1200" dirty="0">
-                <a:solidFill>
-                  <a:schemeClr val="tx1"/>
-                </a:solidFill>
-                <a:effectLst/>
-                <a:latin typeface="+mj-lt"/>
-                <a:ea typeface="+mj-ea"/>
-                <a:cs typeface="+mj-cs"/>
-              </a:rPr>
-              <a:t>2. Which movie genres reign supreme in popularity, and is there a correlation between a movie's genre and its commercial success? </a:t>
-            </a:r>
-            <a:endParaRPr lang="en-US" sz="2100" kern="1200" dirty="0">
-              <a:solidFill>
-                <a:schemeClr val="tx1"/>
-              </a:solidFill>
-              <a:latin typeface="+mj-lt"/>
-              <a:ea typeface="+mj-ea"/>
-              <a:cs typeface="+mj-cs"/>
-            </a:endParaRPr>
-          </a:p>
-        </p:txBody>
-      </p:sp>
     </p:spTree>
     <p:extLst>
       <p:ext uri="{BB962C8B-B14F-4D97-AF65-F5344CB8AC3E}">
-        <p14:creationId xmlns:p14="http://schemas.microsoft.com/office/powerpoint/2010/main" val="722402744"/>
+        <p14:creationId xmlns:p14="http://schemas.microsoft.com/office/powerpoint/2010/main" val="1847693288"/>
       </p:ext>
     </p:extLst>
   </p:cSld>
@@ -7319,10 +7877,10 @@
       </p:grpSpPr>
       <p:sp>
         <p:nvSpPr>
-          <p:cNvPr id="14" name="Rectangle 13">
-            <a:extLst>
-              <a:ext uri="{FF2B5EF4-FFF2-40B4-BE49-F238E27FC236}">
-                <a16:creationId xmlns:a16="http://schemas.microsoft.com/office/drawing/2014/main" id="{01D0AF59-99C3-4251-AB9A-C966C6AD4400}"/>
+          <p:cNvPr id="31" name="Rectangle 30">
+            <a:extLst>
+              <a:ext uri="{FF2B5EF4-FFF2-40B4-BE49-F238E27FC236}">
+                <a16:creationId xmlns:a16="http://schemas.microsoft.com/office/drawing/2014/main" id="{E8D41CF8-5232-42BC-8D05-AFEDE215398E}"/>
               </a:ext>
               <a:ext uri="{C183D7F6-B498-43B3-948B-1728B52AA6E4}">
                 <adec:decorative xmlns:adec="http://schemas.microsoft.com/office/drawing/2017/decorative" val="1"/>
@@ -7342,14 +7900,17 @@
         </p:nvSpPr>
         <p:spPr>
           <a:xfrm>
-            <a:off x="0" y="0"/>
-            <a:ext cx="12192000" cy="6858000"/>
+            <a:off x="0" y="-11256"/>
+            <a:ext cx="12192000" cy="6869256"/>
           </a:xfrm>
           <a:prstGeom prst="rect">
             <a:avLst/>
           </a:prstGeom>
           <a:solidFill>
-            <a:schemeClr val="bg2"/>
+            <a:schemeClr val="bg1">
+              <a:lumMod val="85000"/>
+              <a:alpha val="70000"/>
+            </a:schemeClr>
           </a:solidFill>
           <a:ln>
             <a:noFill/>
@@ -7376,16 +7937,16 @@
           <a:lstStyle/>
           <a:p>
             <a:pPr algn="ctr"/>
-            <a:endParaRPr lang="en-US"/>
-          </a:p>
-        </p:txBody>
-      </p:sp>
-      <p:sp>
-        <p:nvSpPr>
-          <p:cNvPr id="16" name="Rectangle 15">
-            <a:extLst>
-              <a:ext uri="{FF2B5EF4-FFF2-40B4-BE49-F238E27FC236}">
-                <a16:creationId xmlns:a16="http://schemas.microsoft.com/office/drawing/2014/main" id="{1855405F-37A2-4869-9154-F8BE3BECE6C3}"/>
+            <a:endParaRPr lang="en-US" dirty="0"/>
+          </a:p>
+        </p:txBody>
+      </p:sp>
+      <p:sp>
+        <p:nvSpPr>
+          <p:cNvPr id="33" name="Rounded Rectangle 5">
+            <a:extLst>
+              <a:ext uri="{FF2B5EF4-FFF2-40B4-BE49-F238E27FC236}">
+                <a16:creationId xmlns:a16="http://schemas.microsoft.com/office/drawing/2014/main" id="{49237091-E62C-4878-AA4C-0B9995ADB28F}"/>
               </a:ext>
               <a:ext uri="{C183D7F6-B498-43B3-948B-1728B52AA6E4}">
                 <adec:decorative xmlns:adec="http://schemas.microsoft.com/office/drawing/2017/decorative" val="1"/>
@@ -7405,22 +7966,26 @@
         </p:nvSpPr>
         <p:spPr>
           <a:xfrm>
-            <a:off x="477012" y="480060"/>
-            <a:ext cx="11237976" cy="5897880"/>
-          </a:xfrm>
-          <a:prstGeom prst="rect">
-            <a:avLst/>
+            <a:off x="838200" y="1828801"/>
+            <a:ext cx="10515600" cy="4362450"/>
+          </a:xfrm>
+          <a:prstGeom prst="roundRect">
+            <a:avLst>
+              <a:gd name="adj" fmla="val 0"/>
+            </a:avLst>
           </a:prstGeom>
           <a:solidFill>
             <a:srgbClr val="FFFFFF"/>
           </a:solidFill>
           <a:ln w="9525">
-            <a:noFill/>
+            <a:solidFill>
+              <a:srgbClr val="C8CACA"/>
+            </a:solidFill>
           </a:ln>
           <a:effectLst>
-            <a:outerShdw blurRad="63500" dist="17780" dir="5400000" algn="t" rotWithShape="0">
+            <a:outerShdw blurRad="57150" dist="19050" dir="5400000" algn="t" rotWithShape="0">
               <a:prstClr val="black">
-                <a:alpha val="43000"/>
+                <a:alpha val="63000"/>
               </a:prstClr>
             </a:outerShdw>
           </a:effectLst>
@@ -7452,19 +8017,17 @@
       </p:sp>
       <p:pic>
         <p:nvPicPr>
-          <p:cNvPr id="9" name="Content Placeholder 8" descr="A graph with red bars&#10;&#10;Description automatically generated">
-            <a:extLst>
-              <a:ext uri="{FF2B5EF4-FFF2-40B4-BE49-F238E27FC236}">
-                <a16:creationId xmlns:a16="http://schemas.microsoft.com/office/drawing/2014/main" id="{8D4F6AAA-4C70-8FD2-9AC2-0069316B01A3}"/>
+          <p:cNvPr id="19" name="Picture 18" descr="A graph of blue and white bars&#10;&#10;Description automatically generated">
+            <a:extLst>
+              <a:ext uri="{FF2B5EF4-FFF2-40B4-BE49-F238E27FC236}">
+                <a16:creationId xmlns:a16="http://schemas.microsoft.com/office/drawing/2014/main" id="{54889FDA-84A2-F7D8-75B4-2C59AC1DB716}"/>
               </a:ext>
             </a:extLst>
           </p:cNvPr>
           <p:cNvPicPr>
-            <a:picLocks noGrp="1" noChangeAspect="1"/>
+            <a:picLocks noChangeAspect="1"/>
           </p:cNvPicPr>
-          <p:nvPr>
-            <p:ph idx="1"/>
-          </p:nvPr>
+          <p:nvPr/>
         </p:nvPicPr>
         <p:blipFill>
           <a:blip r:embed="rId2"/>
@@ -7474,18 +8037,98 @@
         </p:blipFill>
         <p:spPr>
           <a:xfrm>
-            <a:off x="2381955" y="643466"/>
-            <a:ext cx="7428090" cy="5571067"/>
+            <a:off x="1157288" y="2178050"/>
+            <a:ext cx="4903788" cy="3659188"/>
           </a:xfrm>
           <a:prstGeom prst="rect">
             <a:avLst/>
           </a:prstGeom>
         </p:spPr>
       </p:pic>
+      <p:pic>
+        <p:nvPicPr>
+          <p:cNvPr id="18" name="Content Placeholder 4" descr="A bar graph with blue and green bars&#10;&#10;Description automatically generated">
+            <a:extLst>
+              <a:ext uri="{FF2B5EF4-FFF2-40B4-BE49-F238E27FC236}">
+                <a16:creationId xmlns:a16="http://schemas.microsoft.com/office/drawing/2014/main" id="{F5B62567-DA73-F52A-3264-C3DD120FC739}"/>
+              </a:ext>
+            </a:extLst>
+          </p:cNvPr>
+          <p:cNvPicPr>
+            <a:picLocks noChangeAspect="1"/>
+          </p:cNvPicPr>
+          <p:nvPr/>
+        </p:nvPicPr>
+        <p:blipFill>
+          <a:blip r:embed="rId3"/>
+          <a:stretch>
+            <a:fillRect/>
+          </a:stretch>
+        </p:blipFill>
+        <p:spPr>
+          <a:xfrm>
+            <a:off x="6127750" y="2178050"/>
+            <a:ext cx="4903788" cy="3659188"/>
+          </a:xfrm>
+          <a:prstGeom prst="rect">
+            <a:avLst/>
+          </a:prstGeom>
+        </p:spPr>
+      </p:pic>
+      <p:sp>
+        <p:nvSpPr>
+          <p:cNvPr id="2" name="Title 1">
+            <a:extLst>
+              <a:ext uri="{FF2B5EF4-FFF2-40B4-BE49-F238E27FC236}">
+                <a16:creationId xmlns:a16="http://schemas.microsoft.com/office/drawing/2014/main" id="{739A0DF5-B210-496F-6028-862943DD0281}"/>
+              </a:ext>
+            </a:extLst>
+          </p:cNvPr>
+          <p:cNvSpPr>
+            <a:spLocks noGrp="1"/>
+          </p:cNvSpPr>
+          <p:nvPr>
+            <p:ph type="title"/>
+          </p:nvPr>
+        </p:nvSpPr>
+        <p:spPr>
+          <a:xfrm>
+            <a:off x="255639" y="365125"/>
+            <a:ext cx="11098161" cy="1325563"/>
+          </a:xfrm>
+          <a:prstGeom prst="ellipse">
+            <a:avLst/>
+          </a:prstGeom>
+        </p:spPr>
+        <p:txBody>
+          <a:bodyPr vert="horz" lIns="91440" tIns="45720" rIns="91440" bIns="45720" rtlCol="0" anchor="ctr">
+            <a:noAutofit/>
+          </a:bodyPr>
+          <a:lstStyle/>
+          <a:p>
+            <a:r>
+              <a:rPr lang="en-US" sz="2400" b="1" kern="1200" dirty="0">
+                <a:solidFill>
+                  <a:schemeClr val="tx1"/>
+                </a:solidFill>
+                <a:effectLst/>
+                <a:latin typeface="Arial Black" panose="020B0A04020102020204" pitchFamily="34" charset="0"/>
+              </a:rPr>
+              <a:t>2. Which movie genres reign supreme in popularity, and is there a correlation between a movie's genre and its commercial success? </a:t>
+            </a:r>
+            <a:endParaRPr lang="en-US" sz="2400" b="1" kern="1200" dirty="0">
+              <a:solidFill>
+                <a:schemeClr val="tx1"/>
+              </a:solidFill>
+              <a:latin typeface="Arial Black" panose="020B0A04020102020204" pitchFamily="34" charset="0"/>
+            </a:endParaRPr>
+          </a:p>
+        </p:txBody>
+      </p:sp>
     </p:spTree>
     <p:extLst>
       <p:ext uri="{BB962C8B-B14F-4D97-AF65-F5344CB8AC3E}">
-        <p14:creationId xmlns:p14="http://schemas.microsoft.com/office/powerpoint/2010/main" val="3143578666"/>
+        <p14:creationId xmlns:p14="http://schemas.microsoft.com/office/powerpoint/2010/main" val="722402744"/>
       </p:ext>
     </p:extLst>
   </p:cSld>
@@ -7522,10 +8165,10 @@
       </p:grpSpPr>
       <p:sp>
         <p:nvSpPr>
-          <p:cNvPr id="37" name="Rectangle 36">
-            <a:extLst>
-              <a:ext uri="{FF2B5EF4-FFF2-40B4-BE49-F238E27FC236}">
-                <a16:creationId xmlns:a16="http://schemas.microsoft.com/office/drawing/2014/main" id="{A9F529C3-C941-49FD-8C67-82F134F64BDB}"/>
+          <p:cNvPr id="14" name="Rectangle 13">
+            <a:extLst>
+              <a:ext uri="{FF2B5EF4-FFF2-40B4-BE49-F238E27FC236}">
+                <a16:creationId xmlns:a16="http://schemas.microsoft.com/office/drawing/2014/main" id="{01D0AF59-99C3-4251-AB9A-C966C6AD4400}"/>
               </a:ext>
               <a:ext uri="{C183D7F6-B498-43B3-948B-1728B52AA6E4}">
                 <adec:decorative xmlns:adec="http://schemas.microsoft.com/office/drawing/2017/decorative" val="1"/>
@@ -7552,11 +8195,7 @@
             <a:avLst/>
           </a:prstGeom>
           <a:solidFill>
-            <a:schemeClr val="tx1">
-              <a:lumMod val="50000"/>
-              <a:lumOff val="50000"/>
-              <a:alpha val="30000"/>
-            </a:schemeClr>
+            <a:schemeClr val="bg2"/>
           </a:solidFill>
           <a:ln>
             <a:noFill/>
@@ -7589,10 +8228,10 @@
       </p:sp>
       <p:sp>
         <p:nvSpPr>
-          <p:cNvPr id="39" name="Rectangle 38">
-            <a:extLst>
-              <a:ext uri="{FF2B5EF4-FFF2-40B4-BE49-F238E27FC236}">
-                <a16:creationId xmlns:a16="http://schemas.microsoft.com/office/drawing/2014/main" id="{20586029-32A0-47E5-9AEC-AE3ABA6B94D0}"/>
+          <p:cNvPr id="16" name="Rectangle 15">
+            <a:extLst>
+              <a:ext uri="{FF2B5EF4-FFF2-40B4-BE49-F238E27FC236}">
+                <a16:creationId xmlns:a16="http://schemas.microsoft.com/office/drawing/2014/main" id="{1855405F-37A2-4869-9154-F8BE3BECE6C3}"/>
               </a:ext>
               <a:ext uri="{C183D7F6-B498-43B3-948B-1728B52AA6E4}">
                 <adec:decorative xmlns:adec="http://schemas.microsoft.com/office/drawing/2017/decorative" val="1"/>
@@ -7659,17 +8298,19 @@
       </p:sp>
       <p:pic>
         <p:nvPicPr>
-          <p:cNvPr id="6" name="Picture 5" descr="A graph with a red line and a red line&#10;&#10;Description automatically generated">
-            <a:extLst>
-              <a:ext uri="{FF2B5EF4-FFF2-40B4-BE49-F238E27FC236}">
-                <a16:creationId xmlns:a16="http://schemas.microsoft.com/office/drawing/2014/main" id="{C6E79235-B286-ABFD-4763-FC4EA0C9C04A}"/>
+          <p:cNvPr id="9" name="Content Placeholder 8" descr="A graph with red bars&#10;&#10;Description automatically generated">
+            <a:extLst>
+              <a:ext uri="{FF2B5EF4-FFF2-40B4-BE49-F238E27FC236}">
+                <a16:creationId xmlns:a16="http://schemas.microsoft.com/office/drawing/2014/main" id="{8D4F6AAA-4C70-8FD2-9AC2-0069316B01A3}"/>
               </a:ext>
             </a:extLst>
           </p:cNvPr>
           <p:cNvPicPr>
-            <a:picLocks noChangeAspect="1"/>
+            <a:picLocks noGrp="1" noChangeAspect="1"/>
           </p:cNvPicPr>
-          <p:nvPr/>
+          <p:nvPr>
+            <p:ph idx="1"/>
+          </p:nvPr>
         </p:nvPicPr>
         <p:blipFill>
           <a:blip r:embed="rId2"/>
@@ -7679,90 +8320,8 @@
         </p:blipFill>
         <p:spPr>
           <a:xfrm>
-            <a:off x="643467" y="1443481"/>
-            <a:ext cx="5294716" cy="3971036"/>
-          </a:xfrm>
-          <a:prstGeom prst="rect">
-            <a:avLst/>
-          </a:prstGeom>
-        </p:spPr>
-      </p:pic>
-      <p:cxnSp>
-        <p:nvCxnSpPr>
-          <p:cNvPr id="41" name="Straight Connector 40">
-            <a:extLst>
-              <a:ext uri="{FF2B5EF4-FFF2-40B4-BE49-F238E27FC236}">
-                <a16:creationId xmlns:a16="http://schemas.microsoft.com/office/drawing/2014/main" id="{8C730EAB-A532-4295-A302-FB4B90DB9F5E}"/>
-              </a:ext>
-              <a:ext uri="{C183D7F6-B498-43B3-948B-1728B52AA6E4}">
-                <adec:decorative xmlns:adec="http://schemas.microsoft.com/office/drawing/2017/decorative" val="1"/>
-              </a:ext>
-            </a:extLst>
-          </p:cNvPr>
-          <p:cNvCxnSpPr>
-            <a:cxnSpLocks noGrp="1" noRot="1" noChangeAspect="1" noMove="1" noResize="1" noEditPoints="1" noAdjustHandles="1" noChangeArrowheads="1" noChangeShapeType="1"/>
-          </p:cNvCxnSpPr>
-          <p:nvPr>
-            <p:extLst>
-              <p:ext uri="{386F3935-93C4-4BCD-93E2-E3B085C9AB24}">
-                <p16:designElem xmlns:p16="http://schemas.microsoft.com/office/powerpoint/2015/main" val="1"/>
-              </p:ext>
-            </p:extLst>
-          </p:nvPr>
-        </p:nvCxnSpPr>
-        <p:spPr>
-          <a:xfrm>
-            <a:off x="6079958" y="1143000"/>
-            <a:ext cx="0" cy="4572000"/>
-          </a:xfrm>
-          <a:prstGeom prst="line">
-            <a:avLst/>
-          </a:prstGeom>
-          <a:ln>
-            <a:solidFill>
-              <a:srgbClr val="4E4E4E"/>
-            </a:solidFill>
-          </a:ln>
-        </p:spPr>
-        <p:style>
-          <a:lnRef idx="1">
-            <a:schemeClr val="accent1"/>
-          </a:lnRef>
-          <a:fillRef idx="0">
-            <a:schemeClr val="accent1"/>
-          </a:fillRef>
-          <a:effectRef idx="0">
-            <a:schemeClr val="accent1"/>
-          </a:effectRef>
-          <a:fontRef idx="minor">
-            <a:schemeClr val="tx1"/>
-          </a:fontRef>
-        </p:style>
-      </p:cxnSp>
-      <p:pic>
-        <p:nvPicPr>
-          <p:cNvPr id="7" name="Picture 6" descr="A graph with a red line and blue dots&#10;&#10;Description automatically generated">
-            <a:extLst>
-              <a:ext uri="{FF2B5EF4-FFF2-40B4-BE49-F238E27FC236}">
-                <a16:creationId xmlns:a16="http://schemas.microsoft.com/office/drawing/2014/main" id="{A52ADC5A-8259-E8EE-D48A-637DA40F4F18}"/>
-              </a:ext>
-            </a:extLst>
-          </p:cNvPr>
-          <p:cNvPicPr>
-            <a:picLocks noChangeAspect="1"/>
-          </p:cNvPicPr>
-          <p:nvPr/>
-        </p:nvPicPr>
-        <p:blipFill>
-          <a:blip r:embed="rId3"/>
-          <a:stretch>
-            <a:fillRect/>
-          </a:stretch>
-        </p:blipFill>
-        <p:spPr>
-          <a:xfrm>
-            <a:off x="6253817" y="1443482"/>
-            <a:ext cx="5294715" cy="3971035"/>
+            <a:off x="2381955" y="643466"/>
+            <a:ext cx="7428090" cy="5571067"/>
           </a:xfrm>
           <a:prstGeom prst="rect">
             <a:avLst/>
@@ -7772,7 +8331,7 @@
     </p:spTree>
     <p:extLst>
       <p:ext uri="{BB962C8B-B14F-4D97-AF65-F5344CB8AC3E}">
-        <p14:creationId xmlns:p14="http://schemas.microsoft.com/office/powerpoint/2010/main" val="817485114"/>
+        <p14:creationId xmlns:p14="http://schemas.microsoft.com/office/powerpoint/2010/main" val="3143578666"/>
       </p:ext>
     </p:extLst>
   </p:cSld>
@@ -7809,10 +8368,10 @@
       </p:grpSpPr>
       <p:sp>
         <p:nvSpPr>
-          <p:cNvPr id="52" name="Rectangle 51">
-            <a:extLst>
-              <a:ext uri="{FF2B5EF4-FFF2-40B4-BE49-F238E27FC236}">
-                <a16:creationId xmlns:a16="http://schemas.microsoft.com/office/drawing/2014/main" id="{E8D41CF8-5232-42BC-8D05-AFEDE215398E}"/>
+          <p:cNvPr id="37" name="Rectangle 36">
+            <a:extLst>
+              <a:ext uri="{FF2B5EF4-FFF2-40B4-BE49-F238E27FC236}">
+                <a16:creationId xmlns:a16="http://schemas.microsoft.com/office/drawing/2014/main" id="{A9F529C3-C941-49FD-8C67-82F134F64BDB}"/>
               </a:ext>
               <a:ext uri="{C183D7F6-B498-43B3-948B-1728B52AA6E4}">
                 <adec:decorative xmlns:adec="http://schemas.microsoft.com/office/drawing/2017/decorative" val="1"/>
@@ -7832,16 +8391,17 @@
         </p:nvSpPr>
         <p:spPr>
           <a:xfrm>
-            <a:off x="0" y="-11256"/>
-            <a:ext cx="12192000" cy="6869256"/>
+            <a:off x="0" y="0"/>
+            <a:ext cx="12192000" cy="6858000"/>
           </a:xfrm>
           <a:prstGeom prst="rect">
             <a:avLst/>
           </a:prstGeom>
           <a:solidFill>
-            <a:schemeClr val="bg1">
-              <a:lumMod val="85000"/>
-              <a:alpha val="70000"/>
+            <a:schemeClr val="tx1">
+              <a:lumMod val="50000"/>
+              <a:lumOff val="50000"/>
+              <a:alpha val="30000"/>
             </a:schemeClr>
           </a:solidFill>
           <a:ln>
@@ -7869,16 +8429,16 @@
           <a:lstStyle/>
           <a:p>
             <a:pPr algn="ctr"/>
-            <a:endParaRPr lang="en-US" dirty="0"/>
-          </a:p>
-        </p:txBody>
-      </p:sp>
-      <p:sp>
-        <p:nvSpPr>
-          <p:cNvPr id="54" name="Rounded Rectangle 5">
-            <a:extLst>
-              <a:ext uri="{FF2B5EF4-FFF2-40B4-BE49-F238E27FC236}">
-                <a16:creationId xmlns:a16="http://schemas.microsoft.com/office/drawing/2014/main" id="{49237091-E62C-4878-AA4C-0B9995ADB28F}"/>
+            <a:endParaRPr lang="en-US"/>
+          </a:p>
+        </p:txBody>
+      </p:sp>
+      <p:sp>
+        <p:nvSpPr>
+          <p:cNvPr id="39" name="Rectangle 38">
+            <a:extLst>
+              <a:ext uri="{FF2B5EF4-FFF2-40B4-BE49-F238E27FC236}">
+                <a16:creationId xmlns:a16="http://schemas.microsoft.com/office/drawing/2014/main" id="{20586029-32A0-47E5-9AEC-AE3ABA6B94D0}"/>
               </a:ext>
               <a:ext uri="{C183D7F6-B498-43B3-948B-1728B52AA6E4}">
                 <adec:decorative xmlns:adec="http://schemas.microsoft.com/office/drawing/2017/decorative" val="1"/>
@@ -7898,26 +8458,22 @@
         </p:nvSpPr>
         <p:spPr>
           <a:xfrm>
-            <a:off x="838200" y="1828801"/>
-            <a:ext cx="10515600" cy="4362450"/>
-          </a:xfrm>
-          <a:prstGeom prst="roundRect">
-            <a:avLst>
-              <a:gd name="adj" fmla="val 0"/>
-            </a:avLst>
+            <a:off x="477012" y="480060"/>
+            <a:ext cx="11237976" cy="5897880"/>
+          </a:xfrm>
+          <a:prstGeom prst="rect">
+            <a:avLst/>
           </a:prstGeom>
           <a:solidFill>
             <a:srgbClr val="FFFFFF"/>
           </a:solidFill>
           <a:ln w="9525">
-            <a:solidFill>
-              <a:srgbClr val="C8CACA"/>
-            </a:solidFill>
+            <a:noFill/>
           </a:ln>
           <a:effectLst>
-            <a:outerShdw blurRad="57150" dist="19050" dir="5400000" algn="t" rotWithShape="0">
+            <a:outerShdw blurRad="63500" dist="17780" dir="5400000" algn="t" rotWithShape="0">
               <a:prstClr val="black">
-                <a:alpha val="63000"/>
+                <a:alpha val="43000"/>
               </a:prstClr>
             </a:outerShdw>
           </a:effectLst>
@@ -7949,10 +8505,10 @@
       </p:sp>
       <p:pic>
         <p:nvPicPr>
-          <p:cNvPr id="33" name="Picture 32" descr="A green bar graph with white text&#10;&#10;Description automatically generated">
-            <a:extLst>
-              <a:ext uri="{FF2B5EF4-FFF2-40B4-BE49-F238E27FC236}">
-                <a16:creationId xmlns:a16="http://schemas.microsoft.com/office/drawing/2014/main" id="{6053CA71-0080-0D98-32CD-82407F057FC1}"/>
+          <p:cNvPr id="6" name="Picture 5" descr="A graph with a red line and a red line&#10;&#10;Description automatically generated">
+            <a:extLst>
+              <a:ext uri="{FF2B5EF4-FFF2-40B4-BE49-F238E27FC236}">
+                <a16:creationId xmlns:a16="http://schemas.microsoft.com/office/drawing/2014/main" id="{C6E79235-B286-ABFD-4763-FC4EA0C9C04A}"/>
               </a:ext>
             </a:extLst>
           </p:cNvPr>
@@ -7969,29 +8525,79 @@
         </p:blipFill>
         <p:spPr>
           <a:xfrm>
-            <a:off x="1157288" y="2619375"/>
-            <a:ext cx="4903788" cy="2779713"/>
+            <a:off x="643467" y="1443481"/>
+            <a:ext cx="5294716" cy="3971036"/>
           </a:xfrm>
           <a:prstGeom prst="rect">
             <a:avLst/>
           </a:prstGeom>
         </p:spPr>
       </p:pic>
+      <p:cxnSp>
+        <p:nvCxnSpPr>
+          <p:cNvPr id="41" name="Straight Connector 40">
+            <a:extLst>
+              <a:ext uri="{FF2B5EF4-FFF2-40B4-BE49-F238E27FC236}">
+                <a16:creationId xmlns:a16="http://schemas.microsoft.com/office/drawing/2014/main" id="{8C730EAB-A532-4295-A302-FB4B90DB9F5E}"/>
+              </a:ext>
+              <a:ext uri="{C183D7F6-B498-43B3-948B-1728B52AA6E4}">
+                <adec:decorative xmlns:adec="http://schemas.microsoft.com/office/drawing/2017/decorative" val="1"/>
+              </a:ext>
+            </a:extLst>
+          </p:cNvPr>
+          <p:cNvCxnSpPr>
+            <a:cxnSpLocks noGrp="1" noRot="1" noChangeAspect="1" noMove="1" noResize="1" noEditPoints="1" noAdjustHandles="1" noChangeArrowheads="1" noChangeShapeType="1"/>
+          </p:cNvCxnSpPr>
+          <p:nvPr>
+            <p:extLst>
+              <p:ext uri="{386F3935-93C4-4BCD-93E2-E3B085C9AB24}">
+                <p16:designElem xmlns:p16="http://schemas.microsoft.com/office/powerpoint/2015/main" val="1"/>
+              </p:ext>
+            </p:extLst>
+          </p:nvPr>
+        </p:nvCxnSpPr>
+        <p:spPr>
+          <a:xfrm>
+            <a:off x="6079958" y="1143000"/>
+            <a:ext cx="0" cy="4572000"/>
+          </a:xfrm>
+          <a:prstGeom prst="line">
+            <a:avLst/>
+          </a:prstGeom>
+          <a:ln>
+            <a:solidFill>
+              <a:srgbClr val="4E4E4E"/>
+            </a:solidFill>
+          </a:ln>
+        </p:spPr>
+        <p:style>
+          <a:lnRef idx="1">
+            <a:schemeClr val="accent1"/>
+          </a:lnRef>
+          <a:fillRef idx="0">
+            <a:schemeClr val="accent1"/>
+          </a:fillRef>
+          <a:effectRef idx="0">
+            <a:schemeClr val="accent1"/>
+          </a:effectRef>
+          <a:fontRef idx="minor">
+            <a:schemeClr val="tx1"/>
+          </a:fontRef>
+        </p:style>
+      </p:cxnSp>
       <p:pic>
         <p:nvPicPr>
-          <p:cNvPr id="31" name="Content Placeholder 30" descr="A blue bar graph with white text&#10;&#10;Description automatically generated">
-            <a:extLst>
-              <a:ext uri="{FF2B5EF4-FFF2-40B4-BE49-F238E27FC236}">
-                <a16:creationId xmlns:a16="http://schemas.microsoft.com/office/drawing/2014/main" id="{D7F6885E-77D3-7165-4AB5-6D4D323D52AB}"/>
+          <p:cNvPr id="7" name="Picture 6" descr="A graph with a red line and blue dots&#10;&#10;Description automatically generated">
+            <a:extLst>
+              <a:ext uri="{FF2B5EF4-FFF2-40B4-BE49-F238E27FC236}">
+                <a16:creationId xmlns:a16="http://schemas.microsoft.com/office/drawing/2014/main" id="{A52ADC5A-8259-E8EE-D48A-637DA40F4F18}"/>
               </a:ext>
             </a:extLst>
           </p:cNvPr>
           <p:cNvPicPr>
-            <a:picLocks noGrp="1" noChangeAspect="1"/>
+            <a:picLocks noChangeAspect="1"/>
           </p:cNvPicPr>
-          <p:nvPr>
-            <p:ph idx="1"/>
-          </p:nvPr>
+          <p:nvPr/>
         </p:nvPicPr>
         <p:blipFill>
           <a:blip r:embed="rId3"/>
@@ -8001,69 +8607,18 @@
         </p:blipFill>
         <p:spPr>
           <a:xfrm>
-            <a:off x="6127750" y="2619375"/>
-            <a:ext cx="4903788" cy="2779713"/>
-          </a:xfrm>
-        </p:spPr>
-      </p:pic>
-      <p:sp>
-        <p:nvSpPr>
-          <p:cNvPr id="2" name="Title 1">
-            <a:extLst>
-              <a:ext uri="{FF2B5EF4-FFF2-40B4-BE49-F238E27FC236}">
-                <a16:creationId xmlns:a16="http://schemas.microsoft.com/office/drawing/2014/main" id="{BADA5BFB-B8C2-DDBA-0AA9-846C6D3620BD}"/>
-              </a:ext>
-            </a:extLst>
-          </p:cNvPr>
-          <p:cNvSpPr>
-            <a:spLocks noGrp="1"/>
-          </p:cNvSpPr>
-          <p:nvPr>
-            <p:ph type="title"/>
-          </p:nvPr>
-        </p:nvSpPr>
-        <p:spPr>
-          <a:xfrm>
-            <a:off x="838200" y="365125"/>
-            <a:ext cx="10515600" cy="1325563"/>
-          </a:xfrm>
-          <a:prstGeom prst="ellipse">
+            <a:off x="6253817" y="1443482"/>
+            <a:ext cx="5294715" cy="3971035"/>
+          </a:xfrm>
+          <a:prstGeom prst="rect">
             <a:avLst/>
           </a:prstGeom>
         </p:spPr>
-        <p:txBody>
-          <a:bodyPr vert="horz" lIns="91440" tIns="45720" rIns="91440" bIns="45720" rtlCol="0" anchor="ctr">
-            <a:normAutofit/>
-          </a:bodyPr>
-          <a:lstStyle/>
-          <a:p>
-            <a:r>
-              <a:rPr lang="en-US" sz="2100" kern="1200" dirty="0">
-                <a:solidFill>
-                  <a:schemeClr val="tx1"/>
-                </a:solidFill>
-                <a:effectLst/>
-                <a:latin typeface="+mj-lt"/>
-                <a:ea typeface="+mj-ea"/>
-                <a:cs typeface="+mj-cs"/>
-              </a:rPr>
-              <a:t>3. Do certain actors or directors wield a significant influence on a movie's success or ratings?</a:t>
-            </a:r>
-            <a:endParaRPr lang="en-US" sz="2100" kern="1200" dirty="0">
-              <a:solidFill>
-                <a:schemeClr val="tx1"/>
-              </a:solidFill>
-              <a:latin typeface="+mj-lt"/>
-              <a:ea typeface="+mj-ea"/>
-              <a:cs typeface="+mj-cs"/>
-            </a:endParaRPr>
-          </a:p>
-        </p:txBody>
-      </p:sp>
+      </p:pic>
     </p:spTree>
     <p:extLst>
       <p:ext uri="{BB962C8B-B14F-4D97-AF65-F5344CB8AC3E}">
-        <p14:creationId xmlns:p14="http://schemas.microsoft.com/office/powerpoint/2010/main" val="2224948445"/>
+        <p14:creationId xmlns:p14="http://schemas.microsoft.com/office/powerpoint/2010/main" val="817485114"/>
       </p:ext>
     </p:extLst>
   </p:cSld>
@@ -8100,10 +8655,10 @@
       </p:grpSpPr>
       <p:sp>
         <p:nvSpPr>
-          <p:cNvPr id="21" name="Rectangle 20">
-            <a:extLst>
-              <a:ext uri="{FF2B5EF4-FFF2-40B4-BE49-F238E27FC236}">
-                <a16:creationId xmlns:a16="http://schemas.microsoft.com/office/drawing/2014/main" id="{A9F529C3-C941-49FD-8C67-82F134F64BDB}"/>
+          <p:cNvPr id="52" name="Rectangle 51">
+            <a:extLst>
+              <a:ext uri="{FF2B5EF4-FFF2-40B4-BE49-F238E27FC236}">
+                <a16:creationId xmlns:a16="http://schemas.microsoft.com/office/drawing/2014/main" id="{E8D41CF8-5232-42BC-8D05-AFEDE215398E}"/>
               </a:ext>
               <a:ext uri="{C183D7F6-B498-43B3-948B-1728B52AA6E4}">
                 <adec:decorative xmlns:adec="http://schemas.microsoft.com/office/drawing/2017/decorative" val="1"/>
@@ -8123,17 +8678,16 @@
         </p:nvSpPr>
         <p:spPr>
           <a:xfrm>
-            <a:off x="0" y="0"/>
-            <a:ext cx="12192000" cy="6858000"/>
+            <a:off x="0" y="-11256"/>
+            <a:ext cx="12192000" cy="6869256"/>
           </a:xfrm>
           <a:prstGeom prst="rect">
             <a:avLst/>
           </a:prstGeom>
           <a:solidFill>
-            <a:schemeClr val="tx1">
-              <a:lumMod val="50000"/>
-              <a:lumOff val="50000"/>
-              <a:alpha val="30000"/>
+            <a:schemeClr val="bg1">
+              <a:lumMod val="85000"/>
+              <a:alpha val="70000"/>
             </a:schemeClr>
           </a:solidFill>
           <a:ln>
@@ -8161,16 +8715,16 @@
           <a:lstStyle/>
           <a:p>
             <a:pPr algn="ctr"/>
-            <a:endParaRPr lang="en-US"/>
-          </a:p>
-        </p:txBody>
-      </p:sp>
-      <p:sp>
-        <p:nvSpPr>
-          <p:cNvPr id="23" name="Rectangle 22">
-            <a:extLst>
-              <a:ext uri="{FF2B5EF4-FFF2-40B4-BE49-F238E27FC236}">
-                <a16:creationId xmlns:a16="http://schemas.microsoft.com/office/drawing/2014/main" id="{20586029-32A0-47E5-9AEC-AE3ABA6B94D0}"/>
+            <a:endParaRPr lang="en-US" dirty="0"/>
+          </a:p>
+        </p:txBody>
+      </p:sp>
+      <p:sp>
+        <p:nvSpPr>
+          <p:cNvPr id="54" name="Rounded Rectangle 5">
+            <a:extLst>
+              <a:ext uri="{FF2B5EF4-FFF2-40B4-BE49-F238E27FC236}">
+                <a16:creationId xmlns:a16="http://schemas.microsoft.com/office/drawing/2014/main" id="{49237091-E62C-4878-AA4C-0B9995ADB28F}"/>
               </a:ext>
               <a:ext uri="{C183D7F6-B498-43B3-948B-1728B52AA6E4}">
                 <adec:decorative xmlns:adec="http://schemas.microsoft.com/office/drawing/2017/decorative" val="1"/>
@@ -8190,22 +8744,26 @@
         </p:nvSpPr>
         <p:spPr>
           <a:xfrm>
-            <a:off x="477012" y="480060"/>
-            <a:ext cx="11237976" cy="5897880"/>
-          </a:xfrm>
-          <a:prstGeom prst="rect">
-            <a:avLst/>
+            <a:off x="838200" y="1828801"/>
+            <a:ext cx="10515600" cy="4362450"/>
+          </a:xfrm>
+          <a:prstGeom prst="roundRect">
+            <a:avLst>
+              <a:gd name="adj" fmla="val 0"/>
+            </a:avLst>
           </a:prstGeom>
           <a:solidFill>
             <a:srgbClr val="FFFFFF"/>
           </a:solidFill>
           <a:ln w="9525">
-            <a:noFill/>
+            <a:solidFill>
+              <a:srgbClr val="C8CACA"/>
+            </a:solidFill>
           </a:ln>
           <a:effectLst>
-            <a:outerShdw blurRad="63500" dist="17780" dir="5400000" algn="t" rotWithShape="0">
+            <a:outerShdw blurRad="57150" dist="19050" dir="5400000" algn="t" rotWithShape="0">
               <a:prstClr val="black">
-                <a:alpha val="43000"/>
+                <a:alpha val="63000"/>
               </a:prstClr>
             </a:outerShdw>
           </a:effectLst>
@@ -8237,10 +8795,10 @@
       </p:sp>
       <p:pic>
         <p:nvPicPr>
-          <p:cNvPr id="7" name="Picture 6" descr="A graph of a number of people&#10;&#10;Description automatically generated">
-            <a:extLst>
-              <a:ext uri="{FF2B5EF4-FFF2-40B4-BE49-F238E27FC236}">
-                <a16:creationId xmlns:a16="http://schemas.microsoft.com/office/drawing/2014/main" id="{15BAB42E-F79E-D847-C018-5D943F7B7422}"/>
+          <p:cNvPr id="33" name="Picture 32" descr="A green bar graph with white text&#10;&#10;Description automatically generated">
+            <a:extLst>
+              <a:ext uri="{FF2B5EF4-FFF2-40B4-BE49-F238E27FC236}">
+                <a16:creationId xmlns:a16="http://schemas.microsoft.com/office/drawing/2014/main" id="{6053CA71-0080-0D98-32CD-82407F057FC1}"/>
               </a:ext>
             </a:extLst>
           </p:cNvPr>
@@ -8257,72 +8815,20 @@
         </p:blipFill>
         <p:spPr>
           <a:xfrm>
-            <a:off x="643467" y="1847203"/>
-            <a:ext cx="5294716" cy="3163592"/>
+            <a:off x="1157288" y="2619375"/>
+            <a:ext cx="4903788" cy="2779713"/>
           </a:xfrm>
           <a:prstGeom prst="rect">
             <a:avLst/>
           </a:prstGeom>
         </p:spPr>
       </p:pic>
-      <p:cxnSp>
-        <p:nvCxnSpPr>
-          <p:cNvPr id="25" name="Straight Connector 24">
-            <a:extLst>
-              <a:ext uri="{FF2B5EF4-FFF2-40B4-BE49-F238E27FC236}">
-                <a16:creationId xmlns:a16="http://schemas.microsoft.com/office/drawing/2014/main" id="{8C730EAB-A532-4295-A302-FB4B90DB9F5E}"/>
-              </a:ext>
-              <a:ext uri="{C183D7F6-B498-43B3-948B-1728B52AA6E4}">
-                <adec:decorative xmlns:adec="http://schemas.microsoft.com/office/drawing/2017/decorative" val="1"/>
-              </a:ext>
-            </a:extLst>
-          </p:cNvPr>
-          <p:cNvCxnSpPr>
-            <a:cxnSpLocks noGrp="1" noRot="1" noChangeAspect="1" noMove="1" noResize="1" noEditPoints="1" noAdjustHandles="1" noChangeArrowheads="1" noChangeShapeType="1"/>
-          </p:cNvCxnSpPr>
-          <p:nvPr>
-            <p:extLst>
-              <p:ext uri="{386F3935-93C4-4BCD-93E2-E3B085C9AB24}">
-                <p16:designElem xmlns:p16="http://schemas.microsoft.com/office/powerpoint/2015/main" val="1"/>
-              </p:ext>
-            </p:extLst>
-          </p:nvPr>
-        </p:nvCxnSpPr>
-        <p:spPr>
-          <a:xfrm>
-            <a:off x="6079958" y="1143000"/>
-            <a:ext cx="0" cy="4572000"/>
-          </a:xfrm>
-          <a:prstGeom prst="line">
-            <a:avLst/>
-          </a:prstGeom>
-          <a:ln>
-            <a:solidFill>
-              <a:srgbClr val="4E4E4E"/>
-            </a:solidFill>
-          </a:ln>
-        </p:spPr>
-        <p:style>
-          <a:lnRef idx="1">
-            <a:schemeClr val="accent1"/>
-          </a:lnRef>
-          <a:fillRef idx="0">
-            <a:schemeClr val="accent1"/>
-          </a:fillRef>
-          <a:effectRef idx="0">
-            <a:schemeClr val="accent1"/>
-          </a:effectRef>
-          <a:fontRef idx="minor">
-            <a:schemeClr val="tx1"/>
-          </a:fontRef>
-        </p:style>
-      </p:cxnSp>
       <p:pic>
         <p:nvPicPr>
-          <p:cNvPr id="5" name="Content Placeholder 4" descr="A graph of red bars with white text&#10;&#10;Description automatically generated">
-            <a:extLst>
-              <a:ext uri="{FF2B5EF4-FFF2-40B4-BE49-F238E27FC236}">
-                <a16:creationId xmlns:a16="http://schemas.microsoft.com/office/drawing/2014/main" id="{4AADDE4C-01EF-4E83-2F4D-02AD13C681DC}"/>
+          <p:cNvPr id="31" name="Content Placeholder 30" descr="A blue bar graph with white text&#10;&#10;Description automatically generated">
+            <a:extLst>
+              <a:ext uri="{FF2B5EF4-FFF2-40B4-BE49-F238E27FC236}">
+                <a16:creationId xmlns:a16="http://schemas.microsoft.com/office/drawing/2014/main" id="{D7F6885E-77D3-7165-4AB5-6D4D323D52AB}"/>
               </a:ext>
             </a:extLst>
           </p:cNvPr>
@@ -8341,18 +8847,65 @@
         </p:blipFill>
         <p:spPr>
           <a:xfrm>
-            <a:off x="6253817" y="1847204"/>
-            <a:ext cx="5294715" cy="3163591"/>
-          </a:xfrm>
-          <a:prstGeom prst="rect">
+            <a:off x="6127750" y="2619375"/>
+            <a:ext cx="4903788" cy="2779713"/>
+          </a:xfrm>
+        </p:spPr>
+      </p:pic>
+      <p:sp>
+        <p:nvSpPr>
+          <p:cNvPr id="2" name="Title 1">
+            <a:extLst>
+              <a:ext uri="{FF2B5EF4-FFF2-40B4-BE49-F238E27FC236}">
+                <a16:creationId xmlns:a16="http://schemas.microsoft.com/office/drawing/2014/main" id="{BADA5BFB-B8C2-DDBA-0AA9-846C6D3620BD}"/>
+              </a:ext>
+            </a:extLst>
+          </p:cNvPr>
+          <p:cNvSpPr>
+            <a:spLocks noGrp="1"/>
+          </p:cNvSpPr>
+          <p:nvPr>
+            <p:ph type="title"/>
+          </p:nvPr>
+        </p:nvSpPr>
+        <p:spPr>
+          <a:xfrm>
+            <a:off x="838200" y="365125"/>
+            <a:ext cx="10515600" cy="1325563"/>
+          </a:xfrm>
+          <a:prstGeom prst="ellipse">
             <a:avLst/>
           </a:prstGeom>
         </p:spPr>
-      </p:pic>
+        <p:txBody>
+          <a:bodyPr vert="horz" lIns="91440" tIns="45720" rIns="91440" bIns="45720" rtlCol="0" anchor="ctr">
+            <a:noAutofit/>
+          </a:bodyPr>
+          <a:lstStyle/>
+          <a:p>
+            <a:r>
+              <a:rPr lang="en-US" sz="2400" b="1" kern="1200" dirty="0">
+                <a:solidFill>
+                  <a:schemeClr val="tx1"/>
+                </a:solidFill>
+                <a:effectLst/>
+                <a:latin typeface="Arial Black" panose="020B0A04020102020204" pitchFamily="34" charset="0"/>
+              </a:rPr>
+              <a:t>3. Do certain actors or directors wield a significant influence on a movie's success or ratings?</a:t>
+            </a:r>
+            <a:endParaRPr lang="en-US" sz="2400" b="1" kern="1200" dirty="0">
+              <a:solidFill>
+                <a:schemeClr val="tx1"/>
+              </a:solidFill>
+              <a:latin typeface="Arial Black" panose="020B0A04020102020204" pitchFamily="34" charset="0"/>
+            </a:endParaRPr>
+          </a:p>
+        </p:txBody>
+      </p:sp>
     </p:spTree>
     <p:extLst>
       <p:ext uri="{BB962C8B-B14F-4D97-AF65-F5344CB8AC3E}">
-        <p14:creationId xmlns:p14="http://schemas.microsoft.com/office/powerpoint/2010/main" val="3963071247"/>
+        <p14:creationId xmlns:p14="http://schemas.microsoft.com/office/powerpoint/2010/main" val="2224948445"/>
       </p:ext>
     </p:extLst>
   </p:cSld>
@@ -8389,7 +8942,7 @@
       </p:grpSpPr>
       <p:sp>
         <p:nvSpPr>
-          <p:cNvPr id="37" name="Rectangle 36">
+          <p:cNvPr id="21" name="Rectangle 20">
             <a:extLst>
               <a:ext uri="{FF2B5EF4-FFF2-40B4-BE49-F238E27FC236}">
                 <a16:creationId xmlns:a16="http://schemas.microsoft.com/office/drawing/2014/main" id="{A9F529C3-C941-49FD-8C67-82F134F64BDB}"/>
@@ -8456,7 +9009,7 @@
       </p:sp>
       <p:sp>
         <p:nvSpPr>
-          <p:cNvPr id="39" name="Rectangle 38">
+          <p:cNvPr id="23" name="Rectangle 22">
             <a:extLst>
               <a:ext uri="{FF2B5EF4-FFF2-40B4-BE49-F238E27FC236}">
                 <a16:creationId xmlns:a16="http://schemas.microsoft.com/office/drawing/2014/main" id="{20586029-32A0-47E5-9AEC-AE3ABA6B94D0}"/>
@@ -8526,10 +9079,10 @@
       </p:sp>
       <p:pic>
         <p:nvPicPr>
-          <p:cNvPr id="5" name="Content Placeholder 4" descr="A graph of blue rectangular objects&#10;&#10;Description automatically generated">
-            <a:extLst>
-              <a:ext uri="{FF2B5EF4-FFF2-40B4-BE49-F238E27FC236}">
-                <a16:creationId xmlns:a16="http://schemas.microsoft.com/office/drawing/2014/main" id="{75725FDD-9061-6108-336D-EB2E5F1E9B39}"/>
+          <p:cNvPr id="7" name="Picture 6" descr="A graph of a number of people&#10;&#10;Description automatically generated">
+            <a:extLst>
+              <a:ext uri="{FF2B5EF4-FFF2-40B4-BE49-F238E27FC236}">
+                <a16:creationId xmlns:a16="http://schemas.microsoft.com/office/drawing/2014/main" id="{15BAB42E-F79E-D847-C018-5D943F7B7422}"/>
               </a:ext>
             </a:extLst>
           </p:cNvPr>
@@ -8546,8 +9099,8 @@
         </p:blipFill>
         <p:spPr>
           <a:xfrm>
-            <a:off x="643467" y="2118556"/>
-            <a:ext cx="5294716" cy="2620885"/>
+            <a:off x="643467" y="1847203"/>
+            <a:ext cx="5294716" cy="3163592"/>
           </a:xfrm>
           <a:prstGeom prst="rect">
             <a:avLst/>
@@ -8556,7 +9109,7 @@
       </p:pic>
       <p:cxnSp>
         <p:nvCxnSpPr>
-          <p:cNvPr id="41" name="Straight Connector 40">
+          <p:cNvPr id="25" name="Straight Connector 24">
             <a:extLst>
               <a:ext uri="{FF2B5EF4-FFF2-40B4-BE49-F238E27FC236}">
                 <a16:creationId xmlns:a16="http://schemas.microsoft.com/office/drawing/2014/main" id="{8C730EAB-A532-4295-A302-FB4B90DB9F5E}"/>
@@ -8608,17 +9161,19 @@
       </p:cxnSp>
       <p:pic>
         <p:nvPicPr>
-          <p:cNvPr id="7" name="Picture 6" descr="A graph of a number of people&#10;&#10;Description automatically generated with medium confidence">
-            <a:extLst>
-              <a:ext uri="{FF2B5EF4-FFF2-40B4-BE49-F238E27FC236}">
-                <a16:creationId xmlns:a16="http://schemas.microsoft.com/office/drawing/2014/main" id="{E084C63F-5352-BE8E-5E15-0E4F017191AD}"/>
+          <p:cNvPr id="5" name="Content Placeholder 4" descr="A graph of red bars with white text&#10;&#10;Description automatically generated">
+            <a:extLst>
+              <a:ext uri="{FF2B5EF4-FFF2-40B4-BE49-F238E27FC236}">
+                <a16:creationId xmlns:a16="http://schemas.microsoft.com/office/drawing/2014/main" id="{4AADDE4C-01EF-4E83-2F4D-02AD13C681DC}"/>
               </a:ext>
             </a:extLst>
           </p:cNvPr>
           <p:cNvPicPr>
-            <a:picLocks noChangeAspect="1"/>
+            <a:picLocks noGrp="1" noChangeAspect="1"/>
           </p:cNvPicPr>
-          <p:nvPr/>
+          <p:nvPr>
+            <p:ph idx="1"/>
+          </p:nvPr>
         </p:nvPicPr>
         <p:blipFill>
           <a:blip r:embed="rId3"/>
@@ -8639,7 +9194,7 @@
     </p:spTree>
     <p:extLst>
       <p:ext uri="{BB962C8B-B14F-4D97-AF65-F5344CB8AC3E}">
-        <p14:creationId xmlns:p14="http://schemas.microsoft.com/office/powerpoint/2010/main" val="1136673288"/>
+        <p14:creationId xmlns:p14="http://schemas.microsoft.com/office/powerpoint/2010/main" val="3963071247"/>
       </p:ext>
     </p:extLst>
   </p:cSld>
